--- a/docs/Sunumlar/PIDKontrolcu.pptx
+++ b/docs/Sunumlar/PIDKontrolcu.pptx
@@ -10,7 +10,14 @@
     <p:sldId id="259" r:id="rId4"/>
     <p:sldId id="260" r:id="rId5"/>
     <p:sldId id="261" r:id="rId6"/>
-    <p:sldId id="258" r:id="rId7"/>
+    <p:sldId id="262" r:id="rId7"/>
+    <p:sldId id="263" r:id="rId8"/>
+    <p:sldId id="264" r:id="rId9"/>
+    <p:sldId id="265" r:id="rId10"/>
+    <p:sldId id="258" r:id="rId11"/>
+    <p:sldId id="266" r:id="rId12"/>
+    <p:sldId id="268" r:id="rId13"/>
+    <p:sldId id="269" r:id="rId14"/>
   </p:sldIdLst>
   <p:sldSz cx="12192000" cy="6858000"/>
   <p:notesSz cx="6858000" cy="9144000"/>
@@ -5857,6 +5864,2023 @@
 </p:sld>
 </file>
 
+<file path=ppt/slides/slide10.xml><?xml version="1.0" encoding="utf-8"?>
+<p:sld xmlns:a="http://schemas.openxmlformats.org/drawingml/2006/main" xmlns:r="http://schemas.openxmlformats.org/officeDocument/2006/relationships" xmlns:p="http://schemas.openxmlformats.org/presentationml/2006/main">
+  <p:cSld>
+    <p:spTree>
+      <p:nvGrpSpPr>
+        <p:cNvPr id="1" name=""/>
+        <p:cNvGrpSpPr/>
+        <p:nvPr/>
+      </p:nvGrpSpPr>
+      <p:grpSpPr>
+        <a:xfrm>
+          <a:off x="0" y="0"/>
+          <a:ext cx="0" cy="0"/>
+          <a:chOff x="0" y="0"/>
+          <a:chExt cx="0" cy="0"/>
+        </a:xfrm>
+      </p:grpSpPr>
+      <p:sp>
+        <p:nvSpPr>
+          <p:cNvPr id="2" name="Title 1">
+            <a:extLst>
+              <a:ext uri="{FF2B5EF4-FFF2-40B4-BE49-F238E27FC236}">
+                <a16:creationId xmlns:a16="http://schemas.microsoft.com/office/drawing/2014/main" id="{13ED3AA6-7204-0345-136D-49A934289E91}"/>
+              </a:ext>
+            </a:extLst>
+          </p:cNvPr>
+          <p:cNvSpPr>
+            <a:spLocks noGrp="1"/>
+          </p:cNvSpPr>
+          <p:nvPr>
+            <p:ph type="title"/>
+          </p:nvPr>
+        </p:nvSpPr>
+        <p:spPr/>
+        <p:txBody>
+          <a:bodyPr/>
+          <a:lstStyle/>
+          <a:p>
+            <a:r>
+              <a:rPr lang="tr-TR" dirty="0"/>
+              <a:t>PID Kontrolcü</a:t>
+            </a:r>
+            <a:br>
+              <a:rPr lang="tr-TR" dirty="0"/>
+            </a:br>
+            <a:r>
+              <a:rPr lang="tr-TR" sz="2400" dirty="0"/>
+              <a:t>Blok Şeması</a:t>
+            </a:r>
+          </a:p>
+        </p:txBody>
+      </p:sp>
+      <p:sp>
+        <p:nvSpPr>
+          <p:cNvPr id="3" name="Content Placeholder 2">
+            <a:extLst>
+              <a:ext uri="{FF2B5EF4-FFF2-40B4-BE49-F238E27FC236}">
+                <a16:creationId xmlns:a16="http://schemas.microsoft.com/office/drawing/2014/main" id="{C01399F5-CD9B-00A7-891E-C25A7123DACF}"/>
+              </a:ext>
+            </a:extLst>
+          </p:cNvPr>
+          <p:cNvSpPr>
+            <a:spLocks noGrp="1"/>
+          </p:cNvSpPr>
+          <p:nvPr>
+            <p:ph idx="1"/>
+          </p:nvPr>
+        </p:nvSpPr>
+        <p:spPr/>
+        <p:txBody>
+          <a:bodyPr/>
+          <a:lstStyle/>
+          <a:p>
+            <a:r>
+              <a:rPr lang="tr-TR" dirty="0"/>
+              <a:t>Kapalı çevrim, hata sinyalinden beslenen bir doğrusal kontrolcü</a:t>
+            </a:r>
+          </a:p>
+        </p:txBody>
+      </p:sp>
+      <p:sp>
+        <p:nvSpPr>
+          <p:cNvPr id="4" name="TextBox 3">
+            <a:extLst>
+              <a:ext uri="{FF2B5EF4-FFF2-40B4-BE49-F238E27FC236}">
+                <a16:creationId xmlns:a16="http://schemas.microsoft.com/office/drawing/2014/main" id="{D14F17B0-8894-3E15-225F-9DFC957C8054}"/>
+              </a:ext>
+            </a:extLst>
+          </p:cNvPr>
+          <p:cNvSpPr txBox="1"/>
+          <p:nvPr/>
+        </p:nvSpPr>
+        <p:spPr>
+          <a:xfrm>
+            <a:off x="2496000" y="3779668"/>
+            <a:ext cx="720000" cy="369332"/>
+          </a:xfrm>
+          <a:prstGeom prst="rect">
+            <a:avLst/>
+          </a:prstGeom>
+          <a:noFill/>
+        </p:spPr>
+        <p:txBody>
+          <a:bodyPr wrap="square" rtlCol="0">
+            <a:spAutoFit/>
+          </a:bodyPr>
+          <a:lstStyle/>
+          <a:p>
+            <a:r>
+              <a:rPr lang="tr-TR" dirty="0" err="1"/>
+              <a:t>Error</a:t>
+            </a:r>
+            <a:endParaRPr lang="tr-TR" dirty="0"/>
+          </a:p>
+        </p:txBody>
+      </p:sp>
+      <p:sp>
+        <p:nvSpPr>
+          <p:cNvPr id="5" name="Rectangle 4">
+            <a:extLst>
+              <a:ext uri="{FF2B5EF4-FFF2-40B4-BE49-F238E27FC236}">
+                <a16:creationId xmlns:a16="http://schemas.microsoft.com/office/drawing/2014/main" id="{3456F074-6054-B776-2499-4C81F81C4598}"/>
+              </a:ext>
+            </a:extLst>
+          </p:cNvPr>
+          <p:cNvSpPr/>
+          <p:nvPr/>
+        </p:nvSpPr>
+        <p:spPr>
+          <a:xfrm>
+            <a:off x="4656000" y="3069000"/>
+            <a:ext cx="1620000" cy="360000"/>
+          </a:xfrm>
+          <a:prstGeom prst="rect">
+            <a:avLst/>
+          </a:prstGeom>
+        </p:spPr>
+        <p:style>
+          <a:lnRef idx="2">
+            <a:schemeClr val="accent1">
+              <a:shade val="50000"/>
+            </a:schemeClr>
+          </a:lnRef>
+          <a:fillRef idx="1">
+            <a:schemeClr val="accent1"/>
+          </a:fillRef>
+          <a:effectRef idx="0">
+            <a:schemeClr val="accent1"/>
+          </a:effectRef>
+          <a:fontRef idx="minor">
+            <a:schemeClr val="lt1"/>
+          </a:fontRef>
+        </p:style>
+        <p:txBody>
+          <a:bodyPr rtlCol="0" anchor="ctr"/>
+          <a:lstStyle/>
+          <a:p>
+            <a:pPr algn="ctr"/>
+            <a:r>
+              <a:rPr lang="tr-TR" dirty="0" err="1"/>
+              <a:t>Proportional</a:t>
+            </a:r>
+            <a:endParaRPr lang="tr-TR" dirty="0"/>
+          </a:p>
+        </p:txBody>
+      </p:sp>
+      <p:sp>
+        <p:nvSpPr>
+          <p:cNvPr id="6" name="Rectangle 5">
+            <a:extLst>
+              <a:ext uri="{FF2B5EF4-FFF2-40B4-BE49-F238E27FC236}">
+                <a16:creationId xmlns:a16="http://schemas.microsoft.com/office/drawing/2014/main" id="{936A6CF4-2392-E6FB-7089-2FE8CC18726C}"/>
+              </a:ext>
+            </a:extLst>
+          </p:cNvPr>
+          <p:cNvSpPr/>
+          <p:nvPr/>
+        </p:nvSpPr>
+        <p:spPr>
+          <a:xfrm>
+            <a:off x="4656000" y="3789000"/>
+            <a:ext cx="1620000" cy="360000"/>
+          </a:xfrm>
+          <a:prstGeom prst="rect">
+            <a:avLst/>
+          </a:prstGeom>
+        </p:spPr>
+        <p:style>
+          <a:lnRef idx="2">
+            <a:schemeClr val="accent1">
+              <a:shade val="50000"/>
+            </a:schemeClr>
+          </a:lnRef>
+          <a:fillRef idx="1">
+            <a:schemeClr val="accent1"/>
+          </a:fillRef>
+          <a:effectRef idx="0">
+            <a:schemeClr val="accent1"/>
+          </a:effectRef>
+          <a:fontRef idx="minor">
+            <a:schemeClr val="lt1"/>
+          </a:fontRef>
+        </p:style>
+        <p:txBody>
+          <a:bodyPr rtlCol="0" anchor="ctr"/>
+          <a:lstStyle/>
+          <a:p>
+            <a:pPr algn="ctr"/>
+            <a:r>
+              <a:rPr lang="tr-TR" dirty="0" err="1"/>
+              <a:t>Integral</a:t>
+            </a:r>
+            <a:endParaRPr lang="tr-TR" dirty="0"/>
+          </a:p>
+        </p:txBody>
+      </p:sp>
+      <p:sp>
+        <p:nvSpPr>
+          <p:cNvPr id="7" name="Rectangle 6">
+            <a:extLst>
+              <a:ext uri="{FF2B5EF4-FFF2-40B4-BE49-F238E27FC236}">
+                <a16:creationId xmlns:a16="http://schemas.microsoft.com/office/drawing/2014/main" id="{FDAB9A57-A940-0D6D-D1AA-A0795D6AA70B}"/>
+              </a:ext>
+            </a:extLst>
+          </p:cNvPr>
+          <p:cNvSpPr/>
+          <p:nvPr/>
+        </p:nvSpPr>
+        <p:spPr>
+          <a:xfrm>
+            <a:off x="4656000" y="4509000"/>
+            <a:ext cx="1620000" cy="360000"/>
+          </a:xfrm>
+          <a:prstGeom prst="rect">
+            <a:avLst/>
+          </a:prstGeom>
+        </p:spPr>
+        <p:style>
+          <a:lnRef idx="2">
+            <a:schemeClr val="accent1">
+              <a:shade val="50000"/>
+            </a:schemeClr>
+          </a:lnRef>
+          <a:fillRef idx="1">
+            <a:schemeClr val="accent1"/>
+          </a:fillRef>
+          <a:effectRef idx="0">
+            <a:schemeClr val="accent1"/>
+          </a:effectRef>
+          <a:fontRef idx="minor">
+            <a:schemeClr val="lt1"/>
+          </a:fontRef>
+        </p:style>
+        <p:txBody>
+          <a:bodyPr rtlCol="0" anchor="ctr"/>
+          <a:lstStyle/>
+          <a:p>
+            <a:pPr algn="ctr"/>
+            <a:r>
+              <a:rPr lang="tr-TR" dirty="0" err="1"/>
+              <a:t>Derivative</a:t>
+            </a:r>
+            <a:endParaRPr lang="tr-TR" dirty="0"/>
+          </a:p>
+        </p:txBody>
+      </p:sp>
+      <p:cxnSp>
+        <p:nvCxnSpPr>
+          <p:cNvPr id="9" name="Connector: Elbow 8">
+            <a:extLst>
+              <a:ext uri="{FF2B5EF4-FFF2-40B4-BE49-F238E27FC236}">
+                <a16:creationId xmlns:a16="http://schemas.microsoft.com/office/drawing/2014/main" id="{F99C3BE6-62F1-193B-2F8F-2123DB0406D8}"/>
+              </a:ext>
+            </a:extLst>
+          </p:cNvPr>
+          <p:cNvCxnSpPr>
+            <a:stCxn id="4" idx="3"/>
+            <a:endCxn id="5" idx="1"/>
+          </p:cNvCxnSpPr>
+          <p:nvPr/>
+        </p:nvCxnSpPr>
+        <p:spPr>
+          <a:xfrm flipV="1">
+            <a:off x="3216000" y="3249000"/>
+            <a:ext cx="1440000" cy="715334"/>
+          </a:xfrm>
+          <a:prstGeom prst="bentConnector3">
+            <a:avLst/>
+          </a:prstGeom>
+          <a:ln w="38100">
+            <a:tailEnd type="triangle"/>
+          </a:ln>
+        </p:spPr>
+        <p:style>
+          <a:lnRef idx="1">
+            <a:schemeClr val="accent1"/>
+          </a:lnRef>
+          <a:fillRef idx="0">
+            <a:schemeClr val="accent1"/>
+          </a:fillRef>
+          <a:effectRef idx="0">
+            <a:schemeClr val="accent1"/>
+          </a:effectRef>
+          <a:fontRef idx="minor">
+            <a:schemeClr val="tx1"/>
+          </a:fontRef>
+        </p:style>
+      </p:cxnSp>
+      <p:cxnSp>
+        <p:nvCxnSpPr>
+          <p:cNvPr id="11" name="Connector: Elbow 10">
+            <a:extLst>
+              <a:ext uri="{FF2B5EF4-FFF2-40B4-BE49-F238E27FC236}">
+                <a16:creationId xmlns:a16="http://schemas.microsoft.com/office/drawing/2014/main" id="{0BCA600A-9098-21A8-457C-DEDB3F56D9AB}"/>
+              </a:ext>
+            </a:extLst>
+          </p:cNvPr>
+          <p:cNvCxnSpPr>
+            <a:endCxn id="7" idx="1"/>
+          </p:cNvCxnSpPr>
+          <p:nvPr/>
+        </p:nvCxnSpPr>
+        <p:spPr>
+          <a:xfrm>
+            <a:off x="3216000" y="3969000"/>
+            <a:ext cx="1440000" cy="720000"/>
+          </a:xfrm>
+          <a:prstGeom prst="bentConnector3">
+            <a:avLst/>
+          </a:prstGeom>
+          <a:ln w="38100">
+            <a:tailEnd type="triangle"/>
+          </a:ln>
+        </p:spPr>
+        <p:style>
+          <a:lnRef idx="1">
+            <a:schemeClr val="accent1"/>
+          </a:lnRef>
+          <a:fillRef idx="0">
+            <a:schemeClr val="accent1"/>
+          </a:fillRef>
+          <a:effectRef idx="0">
+            <a:schemeClr val="accent1"/>
+          </a:effectRef>
+          <a:fontRef idx="minor">
+            <a:schemeClr val="tx1"/>
+          </a:fontRef>
+        </p:style>
+      </p:cxnSp>
+      <p:cxnSp>
+        <p:nvCxnSpPr>
+          <p:cNvPr id="13" name="Connector: Elbow 12">
+            <a:extLst>
+              <a:ext uri="{FF2B5EF4-FFF2-40B4-BE49-F238E27FC236}">
+                <a16:creationId xmlns:a16="http://schemas.microsoft.com/office/drawing/2014/main" id="{204F3193-92BE-2E6F-0C31-4B39D346E3C0}"/>
+              </a:ext>
+            </a:extLst>
+          </p:cNvPr>
+          <p:cNvCxnSpPr>
+            <a:endCxn id="6" idx="1"/>
+          </p:cNvCxnSpPr>
+          <p:nvPr/>
+        </p:nvCxnSpPr>
+        <p:spPr>
+          <a:xfrm>
+            <a:off x="3216000" y="3964334"/>
+            <a:ext cx="1440000" cy="4666"/>
+          </a:xfrm>
+          <a:prstGeom prst="bentConnector3">
+            <a:avLst/>
+          </a:prstGeom>
+          <a:ln w="38100">
+            <a:tailEnd type="triangle"/>
+          </a:ln>
+        </p:spPr>
+        <p:style>
+          <a:lnRef idx="1">
+            <a:schemeClr val="accent1"/>
+          </a:lnRef>
+          <a:fillRef idx="0">
+            <a:schemeClr val="accent1"/>
+          </a:fillRef>
+          <a:effectRef idx="0">
+            <a:schemeClr val="accent1"/>
+          </a:effectRef>
+          <a:fontRef idx="minor">
+            <a:schemeClr val="tx1"/>
+          </a:fontRef>
+        </p:style>
+      </p:cxnSp>
+      <p:sp>
+        <p:nvSpPr>
+          <p:cNvPr id="14" name="Oval 13">
+            <a:extLst>
+              <a:ext uri="{FF2B5EF4-FFF2-40B4-BE49-F238E27FC236}">
+                <a16:creationId xmlns:a16="http://schemas.microsoft.com/office/drawing/2014/main" id="{3D87EBE0-C1EA-CF3A-9E94-CDE520A54215}"/>
+              </a:ext>
+            </a:extLst>
+          </p:cNvPr>
+          <p:cNvSpPr/>
+          <p:nvPr/>
+        </p:nvSpPr>
+        <p:spPr>
+          <a:xfrm>
+            <a:off x="7316925" y="3789000"/>
+            <a:ext cx="360000" cy="350668"/>
+          </a:xfrm>
+          <a:prstGeom prst="ellipse">
+            <a:avLst/>
+          </a:prstGeom>
+        </p:spPr>
+        <p:style>
+          <a:lnRef idx="2">
+            <a:schemeClr val="accent1">
+              <a:shade val="50000"/>
+            </a:schemeClr>
+          </a:lnRef>
+          <a:fillRef idx="1">
+            <a:schemeClr val="accent1"/>
+          </a:fillRef>
+          <a:effectRef idx="0">
+            <a:schemeClr val="accent1"/>
+          </a:effectRef>
+          <a:fontRef idx="minor">
+            <a:schemeClr val="lt1"/>
+          </a:fontRef>
+        </p:style>
+        <p:txBody>
+          <a:bodyPr rtlCol="0" anchor="ctr"/>
+          <a:lstStyle/>
+          <a:p>
+            <a:pPr algn="ctr"/>
+            <a:r>
+              <a:rPr lang="tr-TR" dirty="0"/>
+              <a:t>+</a:t>
+            </a:r>
+          </a:p>
+        </p:txBody>
+      </p:sp>
+      <p:cxnSp>
+        <p:nvCxnSpPr>
+          <p:cNvPr id="16" name="Straight Arrow Connector 15">
+            <a:extLst>
+              <a:ext uri="{FF2B5EF4-FFF2-40B4-BE49-F238E27FC236}">
+                <a16:creationId xmlns:a16="http://schemas.microsoft.com/office/drawing/2014/main" id="{2DCDC468-9E4C-D136-6E85-212865587160}"/>
+              </a:ext>
+            </a:extLst>
+          </p:cNvPr>
+          <p:cNvCxnSpPr>
+            <a:stCxn id="6" idx="3"/>
+            <a:endCxn id="14" idx="2"/>
+          </p:cNvCxnSpPr>
+          <p:nvPr/>
+        </p:nvCxnSpPr>
+        <p:spPr>
+          <a:xfrm flipV="1">
+            <a:off x="6276000" y="3964334"/>
+            <a:ext cx="1040925" cy="4666"/>
+          </a:xfrm>
+          <a:prstGeom prst="straightConnector1">
+            <a:avLst/>
+          </a:prstGeom>
+          <a:ln w="38100">
+            <a:tailEnd type="triangle"/>
+          </a:ln>
+        </p:spPr>
+        <p:style>
+          <a:lnRef idx="1">
+            <a:schemeClr val="accent1"/>
+          </a:lnRef>
+          <a:fillRef idx="0">
+            <a:schemeClr val="accent1"/>
+          </a:fillRef>
+          <a:effectRef idx="0">
+            <a:schemeClr val="accent1"/>
+          </a:effectRef>
+          <a:fontRef idx="minor">
+            <a:schemeClr val="tx1"/>
+          </a:fontRef>
+        </p:style>
+      </p:cxnSp>
+      <p:cxnSp>
+        <p:nvCxnSpPr>
+          <p:cNvPr id="20" name="Straight Arrow Connector 19">
+            <a:extLst>
+              <a:ext uri="{FF2B5EF4-FFF2-40B4-BE49-F238E27FC236}">
+                <a16:creationId xmlns:a16="http://schemas.microsoft.com/office/drawing/2014/main" id="{20D2ADDA-5B41-BDB1-0355-1CF73AAF2199}"/>
+              </a:ext>
+            </a:extLst>
+          </p:cNvPr>
+          <p:cNvCxnSpPr>
+            <a:stCxn id="5" idx="3"/>
+            <a:endCxn id="14" idx="1"/>
+          </p:cNvCxnSpPr>
+          <p:nvPr/>
+        </p:nvCxnSpPr>
+        <p:spPr>
+          <a:xfrm>
+            <a:off x="6276000" y="3249000"/>
+            <a:ext cx="1093646" cy="591354"/>
+          </a:xfrm>
+          <a:prstGeom prst="straightConnector1">
+            <a:avLst/>
+          </a:prstGeom>
+          <a:ln w="38100">
+            <a:tailEnd type="triangle"/>
+          </a:ln>
+        </p:spPr>
+        <p:style>
+          <a:lnRef idx="1">
+            <a:schemeClr val="accent1"/>
+          </a:lnRef>
+          <a:fillRef idx="0">
+            <a:schemeClr val="accent1"/>
+          </a:fillRef>
+          <a:effectRef idx="0">
+            <a:schemeClr val="accent1"/>
+          </a:effectRef>
+          <a:fontRef idx="minor">
+            <a:schemeClr val="tx1"/>
+          </a:fontRef>
+        </p:style>
+      </p:cxnSp>
+      <p:cxnSp>
+        <p:nvCxnSpPr>
+          <p:cNvPr id="22" name="Straight Arrow Connector 21">
+            <a:extLst>
+              <a:ext uri="{FF2B5EF4-FFF2-40B4-BE49-F238E27FC236}">
+                <a16:creationId xmlns:a16="http://schemas.microsoft.com/office/drawing/2014/main" id="{52408F50-CF88-EE4D-3D57-40AEE18EE65F}"/>
+              </a:ext>
+            </a:extLst>
+          </p:cNvPr>
+          <p:cNvCxnSpPr>
+            <a:stCxn id="7" idx="3"/>
+            <a:endCxn id="14" idx="3"/>
+          </p:cNvCxnSpPr>
+          <p:nvPr/>
+        </p:nvCxnSpPr>
+        <p:spPr>
+          <a:xfrm flipV="1">
+            <a:off x="6276000" y="4088314"/>
+            <a:ext cx="1093646" cy="600686"/>
+          </a:xfrm>
+          <a:prstGeom prst="straightConnector1">
+            <a:avLst/>
+          </a:prstGeom>
+          <a:ln w="38100">
+            <a:tailEnd type="triangle"/>
+          </a:ln>
+        </p:spPr>
+        <p:style>
+          <a:lnRef idx="1">
+            <a:schemeClr val="accent1"/>
+          </a:lnRef>
+          <a:fillRef idx="0">
+            <a:schemeClr val="accent1"/>
+          </a:fillRef>
+          <a:effectRef idx="0">
+            <a:schemeClr val="accent1"/>
+          </a:effectRef>
+          <a:fontRef idx="minor">
+            <a:schemeClr val="tx1"/>
+          </a:fontRef>
+        </p:style>
+      </p:cxnSp>
+      <p:sp>
+        <p:nvSpPr>
+          <p:cNvPr id="23" name="TextBox 22">
+            <a:extLst>
+              <a:ext uri="{FF2B5EF4-FFF2-40B4-BE49-F238E27FC236}">
+                <a16:creationId xmlns:a16="http://schemas.microsoft.com/office/drawing/2014/main" id="{AEECD136-FE08-C462-2C1C-AD8B72F99448}"/>
+              </a:ext>
+            </a:extLst>
+          </p:cNvPr>
+          <p:cNvSpPr txBox="1"/>
+          <p:nvPr/>
+        </p:nvSpPr>
+        <p:spPr>
+          <a:xfrm>
+            <a:off x="8256000" y="3789000"/>
+            <a:ext cx="1018002" cy="369332"/>
+          </a:xfrm>
+          <a:prstGeom prst="rect">
+            <a:avLst/>
+          </a:prstGeom>
+          <a:noFill/>
+        </p:spPr>
+        <p:txBody>
+          <a:bodyPr wrap="square" rtlCol="0">
+            <a:spAutoFit/>
+          </a:bodyPr>
+          <a:lstStyle/>
+          <a:p>
+            <a:r>
+              <a:rPr lang="tr-TR" dirty="0"/>
+              <a:t>Output</a:t>
+            </a:r>
+          </a:p>
+        </p:txBody>
+      </p:sp>
+      <p:cxnSp>
+        <p:nvCxnSpPr>
+          <p:cNvPr id="25" name="Straight Arrow Connector 24">
+            <a:extLst>
+              <a:ext uri="{FF2B5EF4-FFF2-40B4-BE49-F238E27FC236}">
+                <a16:creationId xmlns:a16="http://schemas.microsoft.com/office/drawing/2014/main" id="{5CEC9229-B4EB-18F4-F6B4-A216578B521D}"/>
+              </a:ext>
+            </a:extLst>
+          </p:cNvPr>
+          <p:cNvCxnSpPr>
+            <a:cxnSpLocks/>
+            <a:stCxn id="14" idx="6"/>
+            <a:endCxn id="23" idx="1"/>
+          </p:cNvCxnSpPr>
+          <p:nvPr/>
+        </p:nvCxnSpPr>
+        <p:spPr>
+          <a:xfrm>
+            <a:off x="7676925" y="3964334"/>
+            <a:ext cx="579075" cy="9332"/>
+          </a:xfrm>
+          <a:prstGeom prst="straightConnector1">
+            <a:avLst/>
+          </a:prstGeom>
+          <a:ln w="38100">
+            <a:tailEnd type="triangle"/>
+          </a:ln>
+        </p:spPr>
+        <p:style>
+          <a:lnRef idx="1">
+            <a:schemeClr val="accent1"/>
+          </a:lnRef>
+          <a:fillRef idx="0">
+            <a:schemeClr val="accent1"/>
+          </a:fillRef>
+          <a:effectRef idx="0">
+            <a:schemeClr val="accent1"/>
+          </a:effectRef>
+          <a:fontRef idx="minor">
+            <a:schemeClr val="tx1"/>
+          </a:fontRef>
+        </p:style>
+      </p:cxnSp>
+    </p:spTree>
+    <p:extLst>
+      <p:ext uri="{BB962C8B-B14F-4D97-AF65-F5344CB8AC3E}">
+        <p14:creationId xmlns:p14="http://schemas.microsoft.com/office/powerpoint/2010/main" val="3537298175"/>
+      </p:ext>
+    </p:extLst>
+  </p:cSld>
+  <p:clrMapOvr>
+    <a:masterClrMapping/>
+  </p:clrMapOvr>
+</p:sld>
+</file>
+
+<file path=ppt/slides/slide11.xml><?xml version="1.0" encoding="utf-8"?>
+<p:sld xmlns:a="http://schemas.openxmlformats.org/drawingml/2006/main" xmlns:r="http://schemas.openxmlformats.org/officeDocument/2006/relationships" xmlns:p="http://schemas.openxmlformats.org/presentationml/2006/main">
+  <p:cSld>
+    <p:spTree>
+      <p:nvGrpSpPr>
+        <p:cNvPr id="1" name=""/>
+        <p:cNvGrpSpPr/>
+        <p:nvPr/>
+      </p:nvGrpSpPr>
+      <p:grpSpPr>
+        <a:xfrm>
+          <a:off x="0" y="0"/>
+          <a:ext cx="0" cy="0"/>
+          <a:chOff x="0" y="0"/>
+          <a:chExt cx="0" cy="0"/>
+        </a:xfrm>
+      </p:grpSpPr>
+      <p:sp>
+        <p:nvSpPr>
+          <p:cNvPr id="2" name="Title 1">
+            <a:extLst>
+              <a:ext uri="{FF2B5EF4-FFF2-40B4-BE49-F238E27FC236}">
+                <a16:creationId xmlns:a16="http://schemas.microsoft.com/office/drawing/2014/main" id="{13ED3AA6-7204-0345-136D-49A934289E91}"/>
+              </a:ext>
+            </a:extLst>
+          </p:cNvPr>
+          <p:cNvSpPr>
+            <a:spLocks noGrp="1"/>
+          </p:cNvSpPr>
+          <p:nvPr>
+            <p:ph type="title"/>
+          </p:nvPr>
+        </p:nvSpPr>
+        <p:spPr/>
+        <p:txBody>
+          <a:bodyPr/>
+          <a:lstStyle/>
+          <a:p>
+            <a:r>
+              <a:rPr lang="tr-TR" dirty="0"/>
+              <a:t>PID Kontrolcü</a:t>
+            </a:r>
+            <a:br>
+              <a:rPr lang="tr-TR" dirty="0"/>
+            </a:br>
+            <a:r>
+              <a:rPr lang="tr-TR" sz="2400" dirty="0"/>
+              <a:t>Detaylandırılmış Blok Şeması</a:t>
+            </a:r>
+          </a:p>
+        </p:txBody>
+      </p:sp>
+      <p:sp>
+        <p:nvSpPr>
+          <p:cNvPr id="4" name="TextBox 3">
+            <a:extLst>
+              <a:ext uri="{FF2B5EF4-FFF2-40B4-BE49-F238E27FC236}">
+                <a16:creationId xmlns:a16="http://schemas.microsoft.com/office/drawing/2014/main" id="{D14F17B0-8894-3E15-225F-9DFC957C8054}"/>
+              </a:ext>
+            </a:extLst>
+          </p:cNvPr>
+          <p:cNvSpPr txBox="1"/>
+          <p:nvPr/>
+        </p:nvSpPr>
+        <p:spPr>
+          <a:xfrm>
+            <a:off x="2496000" y="3779668"/>
+            <a:ext cx="720000" cy="369332"/>
+          </a:xfrm>
+          <a:prstGeom prst="rect">
+            <a:avLst/>
+          </a:prstGeom>
+          <a:noFill/>
+        </p:spPr>
+        <p:txBody>
+          <a:bodyPr wrap="square" rtlCol="0">
+            <a:spAutoFit/>
+          </a:bodyPr>
+          <a:lstStyle/>
+          <a:p>
+            <a:r>
+              <a:rPr lang="tr-TR" dirty="0" err="1"/>
+              <a:t>Error</a:t>
+            </a:r>
+            <a:endParaRPr lang="tr-TR" dirty="0"/>
+          </a:p>
+        </p:txBody>
+      </p:sp>
+      <mc:AlternateContent xmlns:mc="http://schemas.openxmlformats.org/markup-compatibility/2006">
+        <mc:Choice xmlns:a14="http://schemas.microsoft.com/office/drawing/2010/main" Requires="a14">
+          <p:sp>
+            <p:nvSpPr>
+              <p:cNvPr id="5" name="Rectangle 4">
+                <a:extLst>
+                  <a:ext uri="{FF2B5EF4-FFF2-40B4-BE49-F238E27FC236}">
+                    <a16:creationId xmlns:a16="http://schemas.microsoft.com/office/drawing/2014/main" id="{3456F074-6054-B776-2499-4C81F81C4598}"/>
+                  </a:ext>
+                </a:extLst>
+              </p:cNvPr>
+              <p:cNvSpPr/>
+              <p:nvPr/>
+            </p:nvSpPr>
+            <p:spPr>
+              <a:xfrm>
+                <a:off x="4296000" y="2709000"/>
+                <a:ext cx="1980000" cy="720000"/>
+              </a:xfrm>
+              <a:prstGeom prst="rect">
+                <a:avLst/>
+              </a:prstGeom>
+            </p:spPr>
+            <p:style>
+              <a:lnRef idx="2">
+                <a:schemeClr val="accent1">
+                  <a:shade val="50000"/>
+                </a:schemeClr>
+              </a:lnRef>
+              <a:fillRef idx="1">
+                <a:schemeClr val="accent1"/>
+              </a:fillRef>
+              <a:effectRef idx="0">
+                <a:schemeClr val="accent1"/>
+              </a:effectRef>
+              <a:fontRef idx="minor">
+                <a:schemeClr val="lt1"/>
+              </a:fontRef>
+            </p:style>
+            <p:txBody>
+              <a:bodyPr rtlCol="0" anchor="ctr"/>
+              <a:lstStyle/>
+              <a:p>
+                <a:pPr algn="ctr"/>
+                <a14:m>
+                  <m:oMathPara xmlns:m="http://schemas.openxmlformats.org/officeDocument/2006/math">
+                    <m:oMathParaPr>
+                      <m:jc m:val="centerGroup"/>
+                    </m:oMathParaPr>
+                    <m:oMath xmlns:m="http://schemas.openxmlformats.org/officeDocument/2006/math">
+                      <m:r>
+                        <a:rPr lang="tr-TR" i="1" dirty="0" smtClean="0">
+                          <a:latin typeface="Cambria Math" panose="02040503050406030204" pitchFamily="18" charset="0"/>
+                        </a:rPr>
+                        <m:t>𝐾𝑝</m:t>
+                      </m:r>
+                    </m:oMath>
+                  </m:oMathPara>
+                </a14:m>
+                <a:endParaRPr lang="tr-TR" dirty="0"/>
+              </a:p>
+            </p:txBody>
+          </p:sp>
+        </mc:Choice>
+        <mc:Fallback>
+          <p:sp>
+            <p:nvSpPr>
+              <p:cNvPr id="5" name="Rectangle 4">
+                <a:extLst>
+                  <a:ext uri="{FF2B5EF4-FFF2-40B4-BE49-F238E27FC236}">
+                    <a16:creationId xmlns:a16="http://schemas.microsoft.com/office/drawing/2014/main" id="{3456F074-6054-B776-2499-4C81F81C4598}"/>
+                  </a:ext>
+                </a:extLst>
+              </p:cNvPr>
+              <p:cNvSpPr>
+                <a:spLocks noRot="1" noChangeAspect="1" noMove="1" noResize="1" noEditPoints="1" noAdjustHandles="1" noChangeArrowheads="1" noChangeShapeType="1" noTextEdit="1"/>
+              </p:cNvSpPr>
+              <p:nvPr/>
+            </p:nvSpPr>
+            <p:spPr>
+              <a:xfrm>
+                <a:off x="4296000" y="2709000"/>
+                <a:ext cx="1980000" cy="720000"/>
+              </a:xfrm>
+              <a:prstGeom prst="rect">
+                <a:avLst/>
+              </a:prstGeom>
+              <a:blipFill>
+                <a:blip r:embed="rId2"/>
+                <a:stretch>
+                  <a:fillRect/>
+                </a:stretch>
+              </a:blipFill>
+            </p:spPr>
+            <p:txBody>
+              <a:bodyPr/>
+              <a:lstStyle/>
+              <a:p>
+                <a:r>
+                  <a:rPr lang="tr-TR">
+                    <a:noFill/>
+                  </a:rPr>
+                  <a:t> </a:t>
+                </a:r>
+              </a:p>
+            </p:txBody>
+          </p:sp>
+        </mc:Fallback>
+      </mc:AlternateContent>
+      <mc:AlternateContent xmlns:mc="http://schemas.openxmlformats.org/markup-compatibility/2006">
+        <mc:Choice xmlns:a14="http://schemas.microsoft.com/office/drawing/2010/main" Requires="a14">
+          <p:sp>
+            <p:nvSpPr>
+              <p:cNvPr id="6" name="Rectangle 5">
+                <a:extLst>
+                  <a:ext uri="{FF2B5EF4-FFF2-40B4-BE49-F238E27FC236}">
+                    <a16:creationId xmlns:a16="http://schemas.microsoft.com/office/drawing/2014/main" id="{936A6CF4-2392-E6FB-7089-2FE8CC18726C}"/>
+                  </a:ext>
+                </a:extLst>
+              </p:cNvPr>
+              <p:cNvSpPr/>
+              <p:nvPr/>
+            </p:nvSpPr>
+            <p:spPr>
+              <a:xfrm>
+                <a:off x="4296000" y="3609000"/>
+                <a:ext cx="1980000" cy="720000"/>
+              </a:xfrm>
+              <a:prstGeom prst="rect">
+                <a:avLst/>
+              </a:prstGeom>
+            </p:spPr>
+            <p:style>
+              <a:lnRef idx="2">
+                <a:schemeClr val="accent1">
+                  <a:shade val="50000"/>
+                </a:schemeClr>
+              </a:lnRef>
+              <a:fillRef idx="1">
+                <a:schemeClr val="accent1"/>
+              </a:fillRef>
+              <a:effectRef idx="0">
+                <a:schemeClr val="accent1"/>
+              </a:effectRef>
+              <a:fontRef idx="minor">
+                <a:schemeClr val="lt1"/>
+              </a:fontRef>
+            </p:style>
+            <p:txBody>
+              <a:bodyPr rtlCol="0" anchor="ctr"/>
+              <a:lstStyle/>
+              <a:p>
+                <a:pPr algn="ctr"/>
+                <a14:m>
+                  <m:oMathPara xmlns:m="http://schemas.openxmlformats.org/officeDocument/2006/math">
+                    <m:oMathParaPr>
+                      <m:jc m:val="centerGroup"/>
+                    </m:oMathParaPr>
+                    <m:oMath xmlns:m="http://schemas.openxmlformats.org/officeDocument/2006/math">
+                      <m:nary>
+                        <m:naryPr>
+                          <m:limLoc m:val="undOvr"/>
+                          <m:subHide m:val="on"/>
+                          <m:supHide m:val="on"/>
+                          <m:ctrlPr>
+                            <a:rPr lang="tr-TR" i="1" smtClean="0">
+                              <a:latin typeface="Cambria Math" panose="02040503050406030204" pitchFamily="18" charset="0"/>
+                            </a:rPr>
+                          </m:ctrlPr>
+                        </m:naryPr>
+                        <m:sub/>
+                        <m:sup/>
+                        <m:e>
+                          <m:r>
+                            <a:rPr lang="tr-TR" b="0" i="1" smtClean="0">
+                              <a:latin typeface="Cambria Math" panose="02040503050406030204" pitchFamily="18" charset="0"/>
+                            </a:rPr>
+                            <m:t>𝑒𝑟𝑟𝑜𝑟</m:t>
+                          </m:r>
+                          <m:d>
+                            <m:dPr>
+                              <m:ctrlPr>
+                                <a:rPr lang="tr-TR" b="0" i="1" smtClean="0">
+                                  <a:latin typeface="Cambria Math" panose="02040503050406030204" pitchFamily="18" charset="0"/>
+                                </a:rPr>
+                              </m:ctrlPr>
+                            </m:dPr>
+                            <m:e>
+                              <m:r>
+                                <a:rPr lang="tr-TR" b="0" i="1" smtClean="0">
+                                  <a:latin typeface="Cambria Math" panose="02040503050406030204" pitchFamily="18" charset="0"/>
+                                </a:rPr>
+                                <m:t>𝑡</m:t>
+                              </m:r>
+                            </m:e>
+                          </m:d>
+                          <m:r>
+                            <a:rPr lang="tr-TR" b="0" i="1" smtClean="0">
+                              <a:latin typeface="Cambria Math" panose="02040503050406030204" pitchFamily="18" charset="0"/>
+                            </a:rPr>
+                            <m:t>𝑑𝑡</m:t>
+                          </m:r>
+                          <m:r>
+                            <a:rPr lang="tr-TR" b="0" i="1" smtClean="0">
+                              <a:latin typeface="Cambria Math" panose="02040503050406030204" pitchFamily="18" charset="0"/>
+                            </a:rPr>
+                            <m:t>∗</m:t>
+                          </m:r>
+                          <m:r>
+                            <a:rPr lang="tr-TR" b="0" i="1" smtClean="0">
+                              <a:latin typeface="Cambria Math" panose="02040503050406030204" pitchFamily="18" charset="0"/>
+                            </a:rPr>
+                            <m:t>𝐾𝑖</m:t>
+                          </m:r>
+                        </m:e>
+                      </m:nary>
+                    </m:oMath>
+                  </m:oMathPara>
+                </a14:m>
+                <a:endParaRPr lang="tr-TR" dirty="0"/>
+              </a:p>
+            </p:txBody>
+          </p:sp>
+        </mc:Choice>
+        <mc:Fallback>
+          <p:sp>
+            <p:nvSpPr>
+              <p:cNvPr id="6" name="Rectangle 5">
+                <a:extLst>
+                  <a:ext uri="{FF2B5EF4-FFF2-40B4-BE49-F238E27FC236}">
+                    <a16:creationId xmlns:a16="http://schemas.microsoft.com/office/drawing/2014/main" id="{936A6CF4-2392-E6FB-7089-2FE8CC18726C}"/>
+                  </a:ext>
+                </a:extLst>
+              </p:cNvPr>
+              <p:cNvSpPr>
+                <a:spLocks noRot="1" noChangeAspect="1" noMove="1" noResize="1" noEditPoints="1" noAdjustHandles="1" noChangeArrowheads="1" noChangeShapeType="1" noTextEdit="1"/>
+              </p:cNvSpPr>
+              <p:nvPr/>
+            </p:nvSpPr>
+            <p:spPr>
+              <a:xfrm>
+                <a:off x="4296000" y="3609000"/>
+                <a:ext cx="1980000" cy="720000"/>
+              </a:xfrm>
+              <a:prstGeom prst="rect">
+                <a:avLst/>
+              </a:prstGeom>
+              <a:blipFill>
+                <a:blip r:embed="rId3"/>
+                <a:stretch>
+                  <a:fillRect/>
+                </a:stretch>
+              </a:blipFill>
+            </p:spPr>
+            <p:txBody>
+              <a:bodyPr/>
+              <a:lstStyle/>
+              <a:p>
+                <a:r>
+                  <a:rPr lang="tr-TR">
+                    <a:noFill/>
+                  </a:rPr>
+                  <a:t> </a:t>
+                </a:r>
+              </a:p>
+            </p:txBody>
+          </p:sp>
+        </mc:Fallback>
+      </mc:AlternateContent>
+      <mc:AlternateContent xmlns:mc="http://schemas.openxmlformats.org/markup-compatibility/2006">
+        <mc:Choice xmlns:a14="http://schemas.microsoft.com/office/drawing/2010/main" Requires="a14">
+          <p:sp>
+            <p:nvSpPr>
+              <p:cNvPr id="7" name="Rectangle 6">
+                <a:extLst>
+                  <a:ext uri="{FF2B5EF4-FFF2-40B4-BE49-F238E27FC236}">
+                    <a16:creationId xmlns:a16="http://schemas.microsoft.com/office/drawing/2014/main" id="{FDAB9A57-A940-0D6D-D1AA-A0795D6AA70B}"/>
+                  </a:ext>
+                </a:extLst>
+              </p:cNvPr>
+              <p:cNvSpPr/>
+              <p:nvPr/>
+            </p:nvSpPr>
+            <p:spPr>
+              <a:xfrm>
+                <a:off x="4296000" y="4509000"/>
+                <a:ext cx="1980000" cy="720000"/>
+              </a:xfrm>
+              <a:prstGeom prst="rect">
+                <a:avLst/>
+              </a:prstGeom>
+            </p:spPr>
+            <p:style>
+              <a:lnRef idx="2">
+                <a:schemeClr val="accent1">
+                  <a:shade val="50000"/>
+                </a:schemeClr>
+              </a:lnRef>
+              <a:fillRef idx="1">
+                <a:schemeClr val="accent1"/>
+              </a:fillRef>
+              <a:effectRef idx="0">
+                <a:schemeClr val="accent1"/>
+              </a:effectRef>
+              <a:fontRef idx="minor">
+                <a:schemeClr val="lt1"/>
+              </a:fontRef>
+            </p:style>
+            <p:txBody>
+              <a:bodyPr rtlCol="0" anchor="ctr"/>
+              <a:lstStyle/>
+              <a:p>
+                <a:pPr algn="ctr"/>
+                <a14:m>
+                  <m:oMathPara xmlns:m="http://schemas.openxmlformats.org/officeDocument/2006/math">
+                    <m:oMathParaPr>
+                      <m:jc m:val="centerGroup"/>
+                    </m:oMathParaPr>
+                    <m:oMath xmlns:m="http://schemas.openxmlformats.org/officeDocument/2006/math">
+                      <m:f>
+                        <m:fPr>
+                          <m:ctrlPr>
+                            <a:rPr lang="tr-TR" i="1" smtClean="0">
+                              <a:latin typeface="Cambria Math" panose="02040503050406030204" pitchFamily="18" charset="0"/>
+                            </a:rPr>
+                          </m:ctrlPr>
+                        </m:fPr>
+                        <m:num>
+                          <m:r>
+                            <a:rPr lang="tr-TR" b="0" i="1" smtClean="0">
+                              <a:latin typeface="Cambria Math" panose="02040503050406030204" pitchFamily="18" charset="0"/>
+                            </a:rPr>
+                            <m:t>𝑑𝑒𝑟𝑟𝑜𝑟</m:t>
+                          </m:r>
+                          <m:r>
+                            <a:rPr lang="tr-TR" b="0" i="1" smtClean="0">
+                              <a:latin typeface="Cambria Math" panose="02040503050406030204" pitchFamily="18" charset="0"/>
+                            </a:rPr>
+                            <m:t>(</m:t>
+                          </m:r>
+                          <m:r>
+                            <a:rPr lang="tr-TR" b="0" i="1" smtClean="0">
+                              <a:latin typeface="Cambria Math" panose="02040503050406030204" pitchFamily="18" charset="0"/>
+                            </a:rPr>
+                            <m:t>𝑡</m:t>
+                          </m:r>
+                          <m:r>
+                            <a:rPr lang="tr-TR" b="0" i="1" smtClean="0">
+                              <a:latin typeface="Cambria Math" panose="02040503050406030204" pitchFamily="18" charset="0"/>
+                            </a:rPr>
+                            <m:t>)</m:t>
+                          </m:r>
+                        </m:num>
+                        <m:den>
+                          <m:r>
+                            <a:rPr lang="tr-TR" b="0" i="1" smtClean="0">
+                              <a:latin typeface="Cambria Math" panose="02040503050406030204" pitchFamily="18" charset="0"/>
+                            </a:rPr>
+                            <m:t>𝑑𝑡</m:t>
+                          </m:r>
+                        </m:den>
+                      </m:f>
+                      <m:r>
+                        <a:rPr lang="tr-TR" b="0" i="1" smtClean="0">
+                          <a:latin typeface="Cambria Math" panose="02040503050406030204" pitchFamily="18" charset="0"/>
+                        </a:rPr>
+                        <m:t>∗</m:t>
+                      </m:r>
+                      <m:r>
+                        <a:rPr lang="tr-TR" b="0" i="1" smtClean="0">
+                          <a:latin typeface="Cambria Math" panose="02040503050406030204" pitchFamily="18" charset="0"/>
+                        </a:rPr>
+                        <m:t>𝐾𝑑</m:t>
+                      </m:r>
+                    </m:oMath>
+                  </m:oMathPara>
+                </a14:m>
+                <a:endParaRPr lang="tr-TR" dirty="0"/>
+              </a:p>
+            </p:txBody>
+          </p:sp>
+        </mc:Choice>
+        <mc:Fallback>
+          <p:sp>
+            <p:nvSpPr>
+              <p:cNvPr id="7" name="Rectangle 6">
+                <a:extLst>
+                  <a:ext uri="{FF2B5EF4-FFF2-40B4-BE49-F238E27FC236}">
+                    <a16:creationId xmlns:a16="http://schemas.microsoft.com/office/drawing/2014/main" id="{FDAB9A57-A940-0D6D-D1AA-A0795D6AA70B}"/>
+                  </a:ext>
+                </a:extLst>
+              </p:cNvPr>
+              <p:cNvSpPr>
+                <a:spLocks noRot="1" noChangeAspect="1" noMove="1" noResize="1" noEditPoints="1" noAdjustHandles="1" noChangeArrowheads="1" noChangeShapeType="1" noTextEdit="1"/>
+              </p:cNvSpPr>
+              <p:nvPr/>
+            </p:nvSpPr>
+            <p:spPr>
+              <a:xfrm>
+                <a:off x="4296000" y="4509000"/>
+                <a:ext cx="1980000" cy="720000"/>
+              </a:xfrm>
+              <a:prstGeom prst="rect">
+                <a:avLst/>
+              </a:prstGeom>
+              <a:blipFill>
+                <a:blip r:embed="rId4"/>
+                <a:stretch>
+                  <a:fillRect/>
+                </a:stretch>
+              </a:blipFill>
+            </p:spPr>
+            <p:txBody>
+              <a:bodyPr/>
+              <a:lstStyle/>
+              <a:p>
+                <a:r>
+                  <a:rPr lang="tr-TR">
+                    <a:noFill/>
+                  </a:rPr>
+                  <a:t> </a:t>
+                </a:r>
+              </a:p>
+            </p:txBody>
+          </p:sp>
+        </mc:Fallback>
+      </mc:AlternateContent>
+      <p:cxnSp>
+        <p:nvCxnSpPr>
+          <p:cNvPr id="9" name="Connector: Elbow 8">
+            <a:extLst>
+              <a:ext uri="{FF2B5EF4-FFF2-40B4-BE49-F238E27FC236}">
+                <a16:creationId xmlns:a16="http://schemas.microsoft.com/office/drawing/2014/main" id="{F99C3BE6-62F1-193B-2F8F-2123DB0406D8}"/>
+              </a:ext>
+            </a:extLst>
+          </p:cNvPr>
+          <p:cNvCxnSpPr>
+            <a:cxnSpLocks/>
+            <a:stCxn id="4" idx="3"/>
+            <a:endCxn id="5" idx="1"/>
+          </p:cNvCxnSpPr>
+          <p:nvPr/>
+        </p:nvCxnSpPr>
+        <p:spPr>
+          <a:xfrm flipV="1">
+            <a:off x="3216000" y="3069000"/>
+            <a:ext cx="1080000" cy="895334"/>
+          </a:xfrm>
+          <a:prstGeom prst="bentConnector3">
+            <a:avLst>
+              <a:gd name="adj1" fmla="val 50000"/>
+            </a:avLst>
+          </a:prstGeom>
+          <a:ln w="38100">
+            <a:tailEnd type="triangle"/>
+          </a:ln>
+        </p:spPr>
+        <p:style>
+          <a:lnRef idx="1">
+            <a:schemeClr val="accent1"/>
+          </a:lnRef>
+          <a:fillRef idx="0">
+            <a:schemeClr val="accent1"/>
+          </a:fillRef>
+          <a:effectRef idx="0">
+            <a:schemeClr val="accent1"/>
+          </a:effectRef>
+          <a:fontRef idx="minor">
+            <a:schemeClr val="tx1"/>
+          </a:fontRef>
+        </p:style>
+      </p:cxnSp>
+      <p:cxnSp>
+        <p:nvCxnSpPr>
+          <p:cNvPr id="11" name="Connector: Elbow 10">
+            <a:extLst>
+              <a:ext uri="{FF2B5EF4-FFF2-40B4-BE49-F238E27FC236}">
+                <a16:creationId xmlns:a16="http://schemas.microsoft.com/office/drawing/2014/main" id="{0BCA600A-9098-21A8-457C-DEDB3F56D9AB}"/>
+              </a:ext>
+            </a:extLst>
+          </p:cNvPr>
+          <p:cNvCxnSpPr>
+            <a:cxnSpLocks/>
+            <a:endCxn id="7" idx="1"/>
+          </p:cNvCxnSpPr>
+          <p:nvPr/>
+        </p:nvCxnSpPr>
+        <p:spPr>
+          <a:xfrm>
+            <a:off x="3216000" y="3969000"/>
+            <a:ext cx="1080000" cy="900000"/>
+          </a:xfrm>
+          <a:prstGeom prst="bentConnector3">
+            <a:avLst>
+              <a:gd name="adj1" fmla="val 50882"/>
+            </a:avLst>
+          </a:prstGeom>
+          <a:ln w="38100">
+            <a:tailEnd type="triangle"/>
+          </a:ln>
+        </p:spPr>
+        <p:style>
+          <a:lnRef idx="1">
+            <a:schemeClr val="accent1"/>
+          </a:lnRef>
+          <a:fillRef idx="0">
+            <a:schemeClr val="accent1"/>
+          </a:fillRef>
+          <a:effectRef idx="0">
+            <a:schemeClr val="accent1"/>
+          </a:effectRef>
+          <a:fontRef idx="minor">
+            <a:schemeClr val="tx1"/>
+          </a:fontRef>
+        </p:style>
+      </p:cxnSp>
+      <p:cxnSp>
+        <p:nvCxnSpPr>
+          <p:cNvPr id="13" name="Connector: Elbow 12">
+            <a:extLst>
+              <a:ext uri="{FF2B5EF4-FFF2-40B4-BE49-F238E27FC236}">
+                <a16:creationId xmlns:a16="http://schemas.microsoft.com/office/drawing/2014/main" id="{204F3193-92BE-2E6F-0C31-4B39D346E3C0}"/>
+              </a:ext>
+            </a:extLst>
+          </p:cNvPr>
+          <p:cNvCxnSpPr>
+            <a:cxnSpLocks/>
+            <a:stCxn id="4" idx="3"/>
+            <a:endCxn id="6" idx="1"/>
+          </p:cNvCxnSpPr>
+          <p:nvPr/>
+        </p:nvCxnSpPr>
+        <p:spPr>
+          <a:xfrm>
+            <a:off x="3216000" y="3964334"/>
+            <a:ext cx="1080000" cy="4666"/>
+          </a:xfrm>
+          <a:prstGeom prst="bentConnector3">
+            <a:avLst/>
+          </a:prstGeom>
+          <a:ln w="38100">
+            <a:tailEnd type="triangle"/>
+          </a:ln>
+        </p:spPr>
+        <p:style>
+          <a:lnRef idx="1">
+            <a:schemeClr val="accent1"/>
+          </a:lnRef>
+          <a:fillRef idx="0">
+            <a:schemeClr val="accent1"/>
+          </a:fillRef>
+          <a:effectRef idx="0">
+            <a:schemeClr val="accent1"/>
+          </a:effectRef>
+          <a:fontRef idx="minor">
+            <a:schemeClr val="tx1"/>
+          </a:fontRef>
+        </p:style>
+      </p:cxnSp>
+      <p:sp>
+        <p:nvSpPr>
+          <p:cNvPr id="14" name="Oval 13">
+            <a:extLst>
+              <a:ext uri="{FF2B5EF4-FFF2-40B4-BE49-F238E27FC236}">
+                <a16:creationId xmlns:a16="http://schemas.microsoft.com/office/drawing/2014/main" id="{3D87EBE0-C1EA-CF3A-9E94-CDE520A54215}"/>
+              </a:ext>
+            </a:extLst>
+          </p:cNvPr>
+          <p:cNvSpPr/>
+          <p:nvPr/>
+        </p:nvSpPr>
+        <p:spPr>
+          <a:xfrm>
+            <a:off x="7316925" y="3789000"/>
+            <a:ext cx="360000" cy="350668"/>
+          </a:xfrm>
+          <a:prstGeom prst="ellipse">
+            <a:avLst/>
+          </a:prstGeom>
+        </p:spPr>
+        <p:style>
+          <a:lnRef idx="2">
+            <a:schemeClr val="accent1">
+              <a:shade val="50000"/>
+            </a:schemeClr>
+          </a:lnRef>
+          <a:fillRef idx="1">
+            <a:schemeClr val="accent1"/>
+          </a:fillRef>
+          <a:effectRef idx="0">
+            <a:schemeClr val="accent1"/>
+          </a:effectRef>
+          <a:fontRef idx="minor">
+            <a:schemeClr val="lt1"/>
+          </a:fontRef>
+        </p:style>
+        <p:txBody>
+          <a:bodyPr rtlCol="0" anchor="ctr"/>
+          <a:lstStyle/>
+          <a:p>
+            <a:pPr algn="ctr"/>
+            <a:r>
+              <a:rPr lang="tr-TR" dirty="0"/>
+              <a:t>+</a:t>
+            </a:r>
+          </a:p>
+        </p:txBody>
+      </p:sp>
+      <p:cxnSp>
+        <p:nvCxnSpPr>
+          <p:cNvPr id="16" name="Straight Arrow Connector 15">
+            <a:extLst>
+              <a:ext uri="{FF2B5EF4-FFF2-40B4-BE49-F238E27FC236}">
+                <a16:creationId xmlns:a16="http://schemas.microsoft.com/office/drawing/2014/main" id="{2DCDC468-9E4C-D136-6E85-212865587160}"/>
+              </a:ext>
+            </a:extLst>
+          </p:cNvPr>
+          <p:cNvCxnSpPr>
+            <a:cxnSpLocks/>
+            <a:stCxn id="6" idx="3"/>
+            <a:endCxn id="14" idx="2"/>
+          </p:cNvCxnSpPr>
+          <p:nvPr/>
+        </p:nvCxnSpPr>
+        <p:spPr>
+          <a:xfrm flipV="1">
+            <a:off x="6276000" y="3964334"/>
+            <a:ext cx="1040925" cy="4666"/>
+          </a:xfrm>
+          <a:prstGeom prst="straightConnector1">
+            <a:avLst/>
+          </a:prstGeom>
+          <a:ln w="38100">
+            <a:tailEnd type="triangle"/>
+          </a:ln>
+        </p:spPr>
+        <p:style>
+          <a:lnRef idx="1">
+            <a:schemeClr val="accent1"/>
+          </a:lnRef>
+          <a:fillRef idx="0">
+            <a:schemeClr val="accent1"/>
+          </a:fillRef>
+          <a:effectRef idx="0">
+            <a:schemeClr val="accent1"/>
+          </a:effectRef>
+          <a:fontRef idx="minor">
+            <a:schemeClr val="tx1"/>
+          </a:fontRef>
+        </p:style>
+      </p:cxnSp>
+      <p:cxnSp>
+        <p:nvCxnSpPr>
+          <p:cNvPr id="20" name="Straight Arrow Connector 19">
+            <a:extLst>
+              <a:ext uri="{FF2B5EF4-FFF2-40B4-BE49-F238E27FC236}">
+                <a16:creationId xmlns:a16="http://schemas.microsoft.com/office/drawing/2014/main" id="{20D2ADDA-5B41-BDB1-0355-1CF73AAF2199}"/>
+              </a:ext>
+            </a:extLst>
+          </p:cNvPr>
+          <p:cNvCxnSpPr>
+            <a:cxnSpLocks/>
+            <a:stCxn id="5" idx="3"/>
+            <a:endCxn id="14" idx="1"/>
+          </p:cNvCxnSpPr>
+          <p:nvPr/>
+        </p:nvCxnSpPr>
+        <p:spPr>
+          <a:xfrm>
+            <a:off x="6276000" y="3069000"/>
+            <a:ext cx="1093646" cy="771354"/>
+          </a:xfrm>
+          <a:prstGeom prst="straightConnector1">
+            <a:avLst/>
+          </a:prstGeom>
+          <a:ln w="38100">
+            <a:tailEnd type="triangle"/>
+          </a:ln>
+        </p:spPr>
+        <p:style>
+          <a:lnRef idx="1">
+            <a:schemeClr val="accent1"/>
+          </a:lnRef>
+          <a:fillRef idx="0">
+            <a:schemeClr val="accent1"/>
+          </a:fillRef>
+          <a:effectRef idx="0">
+            <a:schemeClr val="accent1"/>
+          </a:effectRef>
+          <a:fontRef idx="minor">
+            <a:schemeClr val="tx1"/>
+          </a:fontRef>
+        </p:style>
+      </p:cxnSp>
+      <p:cxnSp>
+        <p:nvCxnSpPr>
+          <p:cNvPr id="22" name="Straight Arrow Connector 21">
+            <a:extLst>
+              <a:ext uri="{FF2B5EF4-FFF2-40B4-BE49-F238E27FC236}">
+                <a16:creationId xmlns:a16="http://schemas.microsoft.com/office/drawing/2014/main" id="{52408F50-CF88-EE4D-3D57-40AEE18EE65F}"/>
+              </a:ext>
+            </a:extLst>
+          </p:cNvPr>
+          <p:cNvCxnSpPr>
+            <a:cxnSpLocks/>
+            <a:stCxn id="7" idx="3"/>
+            <a:endCxn id="14" idx="3"/>
+          </p:cNvCxnSpPr>
+          <p:nvPr/>
+        </p:nvCxnSpPr>
+        <p:spPr>
+          <a:xfrm flipV="1">
+            <a:off x="6276000" y="4088314"/>
+            <a:ext cx="1093646" cy="780686"/>
+          </a:xfrm>
+          <a:prstGeom prst="straightConnector1">
+            <a:avLst/>
+          </a:prstGeom>
+          <a:ln w="38100">
+            <a:tailEnd type="triangle"/>
+          </a:ln>
+        </p:spPr>
+        <p:style>
+          <a:lnRef idx="1">
+            <a:schemeClr val="accent1"/>
+          </a:lnRef>
+          <a:fillRef idx="0">
+            <a:schemeClr val="accent1"/>
+          </a:fillRef>
+          <a:effectRef idx="0">
+            <a:schemeClr val="accent1"/>
+          </a:effectRef>
+          <a:fontRef idx="minor">
+            <a:schemeClr val="tx1"/>
+          </a:fontRef>
+        </p:style>
+      </p:cxnSp>
+      <p:sp>
+        <p:nvSpPr>
+          <p:cNvPr id="23" name="TextBox 22">
+            <a:extLst>
+              <a:ext uri="{FF2B5EF4-FFF2-40B4-BE49-F238E27FC236}">
+                <a16:creationId xmlns:a16="http://schemas.microsoft.com/office/drawing/2014/main" id="{AEECD136-FE08-C462-2C1C-AD8B72F99448}"/>
+              </a:ext>
+            </a:extLst>
+          </p:cNvPr>
+          <p:cNvSpPr txBox="1"/>
+          <p:nvPr/>
+        </p:nvSpPr>
+        <p:spPr>
+          <a:xfrm>
+            <a:off x="8256000" y="3789000"/>
+            <a:ext cx="1018002" cy="369332"/>
+          </a:xfrm>
+          <a:prstGeom prst="rect">
+            <a:avLst/>
+          </a:prstGeom>
+          <a:noFill/>
+        </p:spPr>
+        <p:txBody>
+          <a:bodyPr wrap="square" rtlCol="0">
+            <a:spAutoFit/>
+          </a:bodyPr>
+          <a:lstStyle/>
+          <a:p>
+            <a:r>
+              <a:rPr lang="tr-TR" dirty="0"/>
+              <a:t>Output</a:t>
+            </a:r>
+          </a:p>
+        </p:txBody>
+      </p:sp>
+      <p:cxnSp>
+        <p:nvCxnSpPr>
+          <p:cNvPr id="25" name="Straight Arrow Connector 24">
+            <a:extLst>
+              <a:ext uri="{FF2B5EF4-FFF2-40B4-BE49-F238E27FC236}">
+                <a16:creationId xmlns:a16="http://schemas.microsoft.com/office/drawing/2014/main" id="{5CEC9229-B4EB-18F4-F6B4-A216578B521D}"/>
+              </a:ext>
+            </a:extLst>
+          </p:cNvPr>
+          <p:cNvCxnSpPr>
+            <a:cxnSpLocks/>
+            <a:stCxn id="14" idx="6"/>
+            <a:endCxn id="23" idx="1"/>
+          </p:cNvCxnSpPr>
+          <p:nvPr/>
+        </p:nvCxnSpPr>
+        <p:spPr>
+          <a:xfrm>
+            <a:off x="7676925" y="3964334"/>
+            <a:ext cx="579075" cy="9332"/>
+          </a:xfrm>
+          <a:prstGeom prst="straightConnector1">
+            <a:avLst/>
+          </a:prstGeom>
+          <a:ln w="38100">
+            <a:tailEnd type="triangle"/>
+          </a:ln>
+        </p:spPr>
+        <p:style>
+          <a:lnRef idx="1">
+            <a:schemeClr val="accent1"/>
+          </a:lnRef>
+          <a:fillRef idx="0">
+            <a:schemeClr val="accent1"/>
+          </a:fillRef>
+          <a:effectRef idx="0">
+            <a:schemeClr val="accent1"/>
+          </a:effectRef>
+          <a:fontRef idx="minor">
+            <a:schemeClr val="tx1"/>
+          </a:fontRef>
+        </p:style>
+      </p:cxnSp>
+    </p:spTree>
+    <p:extLst>
+      <p:ext uri="{BB962C8B-B14F-4D97-AF65-F5344CB8AC3E}">
+        <p14:creationId xmlns:p14="http://schemas.microsoft.com/office/powerpoint/2010/main" val="3718004502"/>
+      </p:ext>
+    </p:extLst>
+  </p:cSld>
+  <p:clrMapOvr>
+    <a:masterClrMapping/>
+  </p:clrMapOvr>
+</p:sld>
+</file>
+
+<file path=ppt/slides/slide12.xml><?xml version="1.0" encoding="utf-8"?>
+<p:sld xmlns:a="http://schemas.openxmlformats.org/drawingml/2006/main" xmlns:r="http://schemas.openxmlformats.org/officeDocument/2006/relationships" xmlns:p="http://schemas.openxmlformats.org/presentationml/2006/main">
+  <p:cSld>
+    <p:spTree>
+      <p:nvGrpSpPr>
+        <p:cNvPr id="1" name=""/>
+        <p:cNvGrpSpPr/>
+        <p:nvPr/>
+      </p:nvGrpSpPr>
+      <p:grpSpPr>
+        <a:xfrm>
+          <a:off x="0" y="0"/>
+          <a:ext cx="0" cy="0"/>
+          <a:chOff x="0" y="0"/>
+          <a:chExt cx="0" cy="0"/>
+        </a:xfrm>
+      </p:grpSpPr>
+      <p:sp>
+        <p:nvSpPr>
+          <p:cNvPr id="2" name="Title 1">
+            <a:extLst>
+              <a:ext uri="{FF2B5EF4-FFF2-40B4-BE49-F238E27FC236}">
+                <a16:creationId xmlns:a16="http://schemas.microsoft.com/office/drawing/2014/main" id="{072047A7-1FA8-65CA-9F9C-BF5411066B1B}"/>
+              </a:ext>
+            </a:extLst>
+          </p:cNvPr>
+          <p:cNvSpPr>
+            <a:spLocks noGrp="1"/>
+          </p:cNvSpPr>
+          <p:nvPr>
+            <p:ph type="title"/>
+          </p:nvPr>
+        </p:nvSpPr>
+        <p:spPr/>
+        <p:txBody>
+          <a:bodyPr/>
+          <a:lstStyle/>
+          <a:p>
+            <a:r>
+              <a:rPr lang="tr-TR" dirty="0"/>
+              <a:t>PID Kontrolcü</a:t>
+            </a:r>
+            <a:br>
+              <a:rPr lang="tr-TR" dirty="0"/>
+            </a:br>
+            <a:r>
+              <a:rPr lang="tr-TR" sz="2400" dirty="0"/>
+              <a:t>C Kodu</a:t>
+            </a:r>
+          </a:p>
+        </p:txBody>
+      </p:sp>
+      <p:pic>
+        <p:nvPicPr>
+          <p:cNvPr id="5" name="Picture 4">
+            <a:extLst>
+              <a:ext uri="{FF2B5EF4-FFF2-40B4-BE49-F238E27FC236}">
+                <a16:creationId xmlns:a16="http://schemas.microsoft.com/office/drawing/2014/main" id="{BF21B133-A25D-8F39-B60A-053874AABDBF}"/>
+              </a:ext>
+            </a:extLst>
+          </p:cNvPr>
+          <p:cNvPicPr>
+            <a:picLocks noChangeAspect="1"/>
+          </p:cNvPicPr>
+          <p:nvPr/>
+        </p:nvPicPr>
+        <p:blipFill>
+          <a:blip r:embed="rId2"/>
+          <a:stretch>
+            <a:fillRect/>
+          </a:stretch>
+        </p:blipFill>
+        <p:spPr>
+          <a:xfrm>
+            <a:off x="3848100" y="1905000"/>
+            <a:ext cx="4495800" cy="4533900"/>
+          </a:xfrm>
+          <a:prstGeom prst="rect">
+            <a:avLst/>
+          </a:prstGeom>
+        </p:spPr>
+      </p:pic>
+    </p:spTree>
+    <p:extLst>
+      <p:ext uri="{BB962C8B-B14F-4D97-AF65-F5344CB8AC3E}">
+        <p14:creationId xmlns:p14="http://schemas.microsoft.com/office/powerpoint/2010/main" val="1919865948"/>
+      </p:ext>
+    </p:extLst>
+  </p:cSld>
+  <p:clrMapOvr>
+    <a:masterClrMapping/>
+  </p:clrMapOvr>
+</p:sld>
+</file>
+
+<file path=ppt/slides/slide13.xml><?xml version="1.0" encoding="utf-8"?>
+<p:sld xmlns:a="http://schemas.openxmlformats.org/drawingml/2006/main" xmlns:r="http://schemas.openxmlformats.org/officeDocument/2006/relationships" xmlns:p="http://schemas.openxmlformats.org/presentationml/2006/main">
+  <p:cSld>
+    <p:spTree>
+      <p:nvGrpSpPr>
+        <p:cNvPr id="1" name=""/>
+        <p:cNvGrpSpPr/>
+        <p:nvPr/>
+      </p:nvGrpSpPr>
+      <p:grpSpPr>
+        <a:xfrm>
+          <a:off x="0" y="0"/>
+          <a:ext cx="0" cy="0"/>
+          <a:chOff x="0" y="0"/>
+          <a:chExt cx="0" cy="0"/>
+        </a:xfrm>
+      </p:grpSpPr>
+      <p:sp>
+        <p:nvSpPr>
+          <p:cNvPr id="2" name="Title 1">
+            <a:extLst>
+              <a:ext uri="{FF2B5EF4-FFF2-40B4-BE49-F238E27FC236}">
+                <a16:creationId xmlns:a16="http://schemas.microsoft.com/office/drawing/2014/main" id="{072047A7-1FA8-65CA-9F9C-BF5411066B1B}"/>
+              </a:ext>
+            </a:extLst>
+          </p:cNvPr>
+          <p:cNvSpPr>
+            <a:spLocks noGrp="1"/>
+          </p:cNvSpPr>
+          <p:nvPr>
+            <p:ph type="title"/>
+          </p:nvPr>
+        </p:nvSpPr>
+        <p:spPr/>
+        <p:txBody>
+          <a:bodyPr/>
+          <a:lstStyle/>
+          <a:p>
+            <a:r>
+              <a:rPr lang="tr-TR" dirty="0"/>
+              <a:t>PID Kontrolcü</a:t>
+            </a:r>
+            <a:br>
+              <a:rPr lang="tr-TR" dirty="0"/>
+            </a:br>
+            <a:r>
+              <a:rPr lang="tr-TR" sz="2400" dirty="0"/>
+              <a:t>C Kodu-Önemli Noktalar</a:t>
+            </a:r>
+          </a:p>
+        </p:txBody>
+      </p:sp>
+      <p:pic>
+        <p:nvPicPr>
+          <p:cNvPr id="5" name="Picture 4">
+            <a:extLst>
+              <a:ext uri="{FF2B5EF4-FFF2-40B4-BE49-F238E27FC236}">
+                <a16:creationId xmlns:a16="http://schemas.microsoft.com/office/drawing/2014/main" id="{BF21B133-A25D-8F39-B60A-053874AABDBF}"/>
+              </a:ext>
+            </a:extLst>
+          </p:cNvPr>
+          <p:cNvPicPr>
+            <a:picLocks noChangeAspect="1"/>
+          </p:cNvPicPr>
+          <p:nvPr/>
+        </p:nvPicPr>
+        <p:blipFill>
+          <a:blip r:embed="rId2"/>
+          <a:stretch>
+            <a:fillRect/>
+          </a:stretch>
+        </p:blipFill>
+        <p:spPr>
+          <a:xfrm>
+            <a:off x="3848100" y="1905000"/>
+            <a:ext cx="4495800" cy="4533900"/>
+          </a:xfrm>
+          <a:prstGeom prst="rect">
+            <a:avLst/>
+          </a:prstGeom>
+        </p:spPr>
+      </p:pic>
+      <p:sp>
+        <p:nvSpPr>
+          <p:cNvPr id="4" name="Rectangle 3">
+            <a:extLst>
+              <a:ext uri="{FF2B5EF4-FFF2-40B4-BE49-F238E27FC236}">
+                <a16:creationId xmlns:a16="http://schemas.microsoft.com/office/drawing/2014/main" id="{4A46D0A2-15E7-1CD6-99E0-44FFDA385D57}"/>
+              </a:ext>
+            </a:extLst>
+          </p:cNvPr>
+          <p:cNvSpPr/>
+          <p:nvPr/>
+        </p:nvSpPr>
+        <p:spPr>
+          <a:xfrm>
+            <a:off x="4791075" y="4019550"/>
+            <a:ext cx="1019175" cy="409575"/>
+          </a:xfrm>
+          <a:prstGeom prst="rect">
+            <a:avLst/>
+          </a:prstGeom>
+          <a:noFill/>
+        </p:spPr>
+        <p:style>
+          <a:lnRef idx="2">
+            <a:schemeClr val="accent1">
+              <a:shade val="50000"/>
+            </a:schemeClr>
+          </a:lnRef>
+          <a:fillRef idx="1">
+            <a:schemeClr val="accent1"/>
+          </a:fillRef>
+          <a:effectRef idx="0">
+            <a:schemeClr val="accent1"/>
+          </a:effectRef>
+          <a:fontRef idx="minor">
+            <a:schemeClr val="lt1"/>
+          </a:fontRef>
+        </p:style>
+        <p:txBody>
+          <a:bodyPr rtlCol="0" anchor="ctr"/>
+          <a:lstStyle/>
+          <a:p>
+            <a:pPr algn="ctr"/>
+            <a:endParaRPr lang="tr-TR"/>
+          </a:p>
+        </p:txBody>
+      </p:sp>
+      <p:sp>
+        <p:nvSpPr>
+          <p:cNvPr id="7" name="Speech Bubble: Rectangle 6">
+            <a:extLst>
+              <a:ext uri="{FF2B5EF4-FFF2-40B4-BE49-F238E27FC236}">
+                <a16:creationId xmlns:a16="http://schemas.microsoft.com/office/drawing/2014/main" id="{37509D0B-A3AD-2929-D0B9-A026E9720456}"/>
+              </a:ext>
+            </a:extLst>
+          </p:cNvPr>
+          <p:cNvSpPr/>
+          <p:nvPr/>
+        </p:nvSpPr>
+        <p:spPr>
+          <a:xfrm>
+            <a:off x="2538942" y="4057650"/>
+            <a:ext cx="1333500" cy="254000"/>
+          </a:xfrm>
+          <a:prstGeom prst="wedgeRectCallout">
+            <a:avLst>
+              <a:gd name="adj1" fmla="val 124881"/>
+              <a:gd name="adj2" fmla="val 261250"/>
+            </a:avLst>
+          </a:prstGeom>
+        </p:spPr>
+        <p:style>
+          <a:lnRef idx="2">
+            <a:schemeClr val="accent1">
+              <a:shade val="50000"/>
+            </a:schemeClr>
+          </a:lnRef>
+          <a:fillRef idx="1">
+            <a:schemeClr val="accent1"/>
+          </a:fillRef>
+          <a:effectRef idx="0">
+            <a:schemeClr val="accent1"/>
+          </a:effectRef>
+          <a:fontRef idx="minor">
+            <a:schemeClr val="lt1"/>
+          </a:fontRef>
+        </p:style>
+        <p:txBody>
+          <a:bodyPr rtlCol="0" anchor="ctr"/>
+          <a:lstStyle/>
+          <a:p>
+            <a:pPr algn="ctr"/>
+            <a:r>
+              <a:rPr lang="tr-TR" dirty="0"/>
+              <a:t>Limit</a:t>
+            </a:r>
+          </a:p>
+        </p:txBody>
+      </p:sp>
+      <p:sp>
+        <p:nvSpPr>
+          <p:cNvPr id="8" name="Speech Bubble: Rectangle 7">
+            <a:extLst>
+              <a:ext uri="{FF2B5EF4-FFF2-40B4-BE49-F238E27FC236}">
+                <a16:creationId xmlns:a16="http://schemas.microsoft.com/office/drawing/2014/main" id="{64FB0A72-3D44-DD7F-82D6-240069A0C790}"/>
+              </a:ext>
+            </a:extLst>
+          </p:cNvPr>
+          <p:cNvSpPr/>
+          <p:nvPr/>
+        </p:nvSpPr>
+        <p:spPr>
+          <a:xfrm>
+            <a:off x="2443692" y="3222625"/>
+            <a:ext cx="1333500" cy="254000"/>
+          </a:xfrm>
+          <a:prstGeom prst="wedgeRectCallout">
+            <a:avLst>
+              <a:gd name="adj1" fmla="val 124881"/>
+              <a:gd name="adj2" fmla="val 261250"/>
+            </a:avLst>
+          </a:prstGeom>
+        </p:spPr>
+        <p:style>
+          <a:lnRef idx="2">
+            <a:schemeClr val="accent1">
+              <a:shade val="50000"/>
+            </a:schemeClr>
+          </a:lnRef>
+          <a:fillRef idx="1">
+            <a:schemeClr val="accent1"/>
+          </a:fillRef>
+          <a:effectRef idx="0">
+            <a:schemeClr val="accent1"/>
+          </a:effectRef>
+          <a:fontRef idx="minor">
+            <a:schemeClr val="lt1"/>
+          </a:fontRef>
+        </p:style>
+        <p:txBody>
+          <a:bodyPr rtlCol="0" anchor="ctr"/>
+          <a:lstStyle/>
+          <a:p>
+            <a:pPr algn="ctr"/>
+            <a:r>
+              <a:rPr lang="tr-TR" dirty="0"/>
+              <a:t>Limit</a:t>
+            </a:r>
+          </a:p>
+        </p:txBody>
+      </p:sp>
+      <p:sp>
+        <p:nvSpPr>
+          <p:cNvPr id="9" name="Speech Bubble: Rectangle 8">
+            <a:extLst>
+              <a:ext uri="{FF2B5EF4-FFF2-40B4-BE49-F238E27FC236}">
+                <a16:creationId xmlns:a16="http://schemas.microsoft.com/office/drawing/2014/main" id="{E92F8F82-66A9-E1EA-D5FF-B33E7E3BD81C}"/>
+              </a:ext>
+            </a:extLst>
+          </p:cNvPr>
+          <p:cNvSpPr/>
+          <p:nvPr/>
+        </p:nvSpPr>
+        <p:spPr>
+          <a:xfrm>
+            <a:off x="2443692" y="2322512"/>
+            <a:ext cx="1333500" cy="254000"/>
+          </a:xfrm>
+          <a:prstGeom prst="wedgeRectCallout">
+            <a:avLst>
+              <a:gd name="adj1" fmla="val 118452"/>
+              <a:gd name="adj2" fmla="val 40000"/>
+            </a:avLst>
+          </a:prstGeom>
+        </p:spPr>
+        <p:style>
+          <a:lnRef idx="2">
+            <a:schemeClr val="accent1">
+              <a:shade val="50000"/>
+            </a:schemeClr>
+          </a:lnRef>
+          <a:fillRef idx="1">
+            <a:schemeClr val="accent1"/>
+          </a:fillRef>
+          <a:effectRef idx="0">
+            <a:schemeClr val="accent1"/>
+          </a:effectRef>
+          <a:fontRef idx="minor">
+            <a:schemeClr val="lt1"/>
+          </a:fontRef>
+        </p:style>
+        <p:txBody>
+          <a:bodyPr rtlCol="0" anchor="ctr"/>
+          <a:lstStyle/>
+          <a:p>
+            <a:pPr algn="ctr"/>
+            <a:r>
+              <a:rPr lang="tr-TR" dirty="0"/>
+              <a:t>Parametrik</a:t>
+            </a:r>
+          </a:p>
+        </p:txBody>
+      </p:sp>
+      <p:sp>
+        <p:nvSpPr>
+          <p:cNvPr id="10" name="Speech Bubble: Rectangle 9">
+            <a:extLst>
+              <a:ext uri="{FF2B5EF4-FFF2-40B4-BE49-F238E27FC236}">
+                <a16:creationId xmlns:a16="http://schemas.microsoft.com/office/drawing/2014/main" id="{14049820-7F8F-58E0-9EF4-BF8F29B25467}"/>
+              </a:ext>
+            </a:extLst>
+          </p:cNvPr>
+          <p:cNvSpPr/>
+          <p:nvPr/>
+        </p:nvSpPr>
+        <p:spPr>
+          <a:xfrm>
+            <a:off x="5810250" y="1016000"/>
+            <a:ext cx="1556808" cy="496888"/>
+          </a:xfrm>
+          <a:prstGeom prst="wedgeRectCallout">
+            <a:avLst>
+              <a:gd name="adj1" fmla="val -87058"/>
+              <a:gd name="adj2" fmla="val 125975"/>
+            </a:avLst>
+          </a:prstGeom>
+        </p:spPr>
+        <p:style>
+          <a:lnRef idx="2">
+            <a:schemeClr val="accent1">
+              <a:shade val="50000"/>
+            </a:schemeClr>
+          </a:lnRef>
+          <a:fillRef idx="1">
+            <a:schemeClr val="accent1"/>
+          </a:fillRef>
+          <a:effectRef idx="0">
+            <a:schemeClr val="accent1"/>
+          </a:effectRef>
+          <a:fontRef idx="minor">
+            <a:schemeClr val="lt1"/>
+          </a:fontRef>
+        </p:style>
+        <p:txBody>
+          <a:bodyPr rtlCol="0" anchor="ctr"/>
+          <a:lstStyle/>
+          <a:p>
+            <a:pPr algn="ctr"/>
+            <a:r>
+              <a:rPr lang="tr-TR" dirty="0"/>
+              <a:t>OOP benzeri olmalı</a:t>
+            </a:r>
+          </a:p>
+        </p:txBody>
+      </p:sp>
+    </p:spTree>
+    <p:extLst>
+      <p:ext uri="{BB962C8B-B14F-4D97-AF65-F5344CB8AC3E}">
+        <p14:creationId xmlns:p14="http://schemas.microsoft.com/office/powerpoint/2010/main" val="2667729962"/>
+      </p:ext>
+    </p:extLst>
+  </p:cSld>
+  <p:clrMapOvr>
+    <a:masterClrMapping/>
+  </p:clrMapOvr>
+</p:sld>
+</file>
+
 <file path=ppt/slides/slide2.xml><?xml version="1.0" encoding="utf-8"?>
 <p:sld xmlns:a="http://schemas.openxmlformats.org/drawingml/2006/main" xmlns:r="http://schemas.openxmlformats.org/officeDocument/2006/relationships" xmlns:p="http://schemas.openxmlformats.org/presentationml/2006/main">
   <p:cSld>
@@ -5923,7 +7947,16 @@
           <a:bodyPr/>
           <a:lstStyle/>
           <a:p>
-            <a:endParaRPr lang="tr-TR"/>
+            <a:r>
+              <a:rPr lang="tr-TR" dirty="0"/>
+              <a:t>Kontrol teorisi, dinamik sistemlerin kontrolü ile ilgilenen bir matematik alt alanıdır.</a:t>
+            </a:r>
+          </a:p>
+          <a:p>
+            <a:r>
+              <a:rPr lang="tr-TR" dirty="0"/>
+              <a:t>Kontrol teorisi içerisindeki iki ana problem; kontrol edilecek sistemi doğru modellemek ve bu modele uygun, fiziksel gerçeklerle örtüşecek kontrolcü tasarımını gerçekleştirmektir.</a:t>
+            </a:r>
           </a:p>
         </p:txBody>
       </p:sp>
@@ -6006,7 +8039,271 @@
           <a:bodyPr/>
           <a:lstStyle/>
           <a:p>
-            <a:endParaRPr lang="tr-TR"/>
+            <a:r>
+              <a:rPr lang="tr-TR" dirty="0"/>
+              <a:t>Kontrol sistemleri, kontrol edilecek sistemin(Plant) davranışlarını doğrudan veya dolaylı olarak yöneten ve yönlendiren sistemlerdir(Controller).</a:t>
+            </a:r>
+          </a:p>
+        </p:txBody>
+      </p:sp>
+      <p:sp>
+        <p:nvSpPr>
+          <p:cNvPr id="4" name="Rectangle 3">
+            <a:extLst>
+              <a:ext uri="{FF2B5EF4-FFF2-40B4-BE49-F238E27FC236}">
+                <a16:creationId xmlns:a16="http://schemas.microsoft.com/office/drawing/2014/main" id="{6821A8D2-3924-5023-8E31-1128B6C2A2B6}"/>
+              </a:ext>
+            </a:extLst>
+          </p:cNvPr>
+          <p:cNvSpPr/>
+          <p:nvPr/>
+        </p:nvSpPr>
+        <p:spPr>
+          <a:xfrm>
+            <a:off x="6096000" y="3429000"/>
+            <a:ext cx="2160000" cy="720000"/>
+          </a:xfrm>
+          <a:prstGeom prst="rect">
+            <a:avLst/>
+          </a:prstGeom>
+        </p:spPr>
+        <p:style>
+          <a:lnRef idx="2">
+            <a:schemeClr val="accent1">
+              <a:shade val="50000"/>
+            </a:schemeClr>
+          </a:lnRef>
+          <a:fillRef idx="1">
+            <a:schemeClr val="accent1"/>
+          </a:fillRef>
+          <a:effectRef idx="0">
+            <a:schemeClr val="accent1"/>
+          </a:effectRef>
+          <a:fontRef idx="minor">
+            <a:schemeClr val="lt1"/>
+          </a:fontRef>
+        </p:style>
+        <p:txBody>
+          <a:bodyPr rtlCol="0" anchor="ctr"/>
+          <a:lstStyle/>
+          <a:p>
+            <a:pPr algn="ctr"/>
+            <a:r>
+              <a:rPr lang="tr-TR" dirty="0"/>
+              <a:t>Plant</a:t>
+            </a:r>
+          </a:p>
+        </p:txBody>
+      </p:sp>
+      <p:sp>
+        <p:nvSpPr>
+          <p:cNvPr id="5" name="Rectangle 4">
+            <a:extLst>
+              <a:ext uri="{FF2B5EF4-FFF2-40B4-BE49-F238E27FC236}">
+                <a16:creationId xmlns:a16="http://schemas.microsoft.com/office/drawing/2014/main" id="{75BA9689-DCA1-A162-DAE1-DEA13993D60A}"/>
+              </a:ext>
+            </a:extLst>
+          </p:cNvPr>
+          <p:cNvSpPr/>
+          <p:nvPr/>
+        </p:nvSpPr>
+        <p:spPr>
+          <a:xfrm>
+            <a:off x="2496000" y="3429000"/>
+            <a:ext cx="2160000" cy="720000"/>
+          </a:xfrm>
+          <a:prstGeom prst="rect">
+            <a:avLst/>
+          </a:prstGeom>
+        </p:spPr>
+        <p:style>
+          <a:lnRef idx="2">
+            <a:schemeClr val="accent1">
+              <a:shade val="50000"/>
+            </a:schemeClr>
+          </a:lnRef>
+          <a:fillRef idx="1">
+            <a:schemeClr val="accent1"/>
+          </a:fillRef>
+          <a:effectRef idx="0">
+            <a:schemeClr val="accent1"/>
+          </a:effectRef>
+          <a:fontRef idx="minor">
+            <a:schemeClr val="lt1"/>
+          </a:fontRef>
+        </p:style>
+        <p:txBody>
+          <a:bodyPr rtlCol="0" anchor="ctr"/>
+          <a:lstStyle/>
+          <a:p>
+            <a:pPr algn="ctr"/>
+            <a:r>
+              <a:rPr lang="tr-TR" dirty="0"/>
+              <a:t>Controller</a:t>
+            </a:r>
+          </a:p>
+        </p:txBody>
+      </p:sp>
+      <p:sp>
+        <p:nvSpPr>
+          <p:cNvPr id="9" name="TextBox 8">
+            <a:extLst>
+              <a:ext uri="{FF2B5EF4-FFF2-40B4-BE49-F238E27FC236}">
+                <a16:creationId xmlns:a16="http://schemas.microsoft.com/office/drawing/2014/main" id="{37A217EE-6C28-A54B-838E-D02F21082CD0}"/>
+              </a:ext>
+            </a:extLst>
+          </p:cNvPr>
+          <p:cNvSpPr txBox="1"/>
+          <p:nvPr/>
+        </p:nvSpPr>
+        <p:spPr>
+          <a:xfrm>
+            <a:off x="8976000" y="3604334"/>
+            <a:ext cx="1440000" cy="369332"/>
+          </a:xfrm>
+          <a:prstGeom prst="rect">
+            <a:avLst/>
+          </a:prstGeom>
+          <a:noFill/>
+        </p:spPr>
+        <p:txBody>
+          <a:bodyPr wrap="square" rtlCol="0">
+            <a:spAutoFit/>
+          </a:bodyPr>
+          <a:lstStyle/>
+          <a:p>
+            <a:r>
+              <a:rPr lang="tr-TR" dirty="0"/>
+              <a:t>Output</a:t>
+            </a:r>
+          </a:p>
+        </p:txBody>
+      </p:sp>
+      <p:cxnSp>
+        <p:nvCxnSpPr>
+          <p:cNvPr id="11" name="Straight Arrow Connector 10">
+            <a:extLst>
+              <a:ext uri="{FF2B5EF4-FFF2-40B4-BE49-F238E27FC236}">
+                <a16:creationId xmlns:a16="http://schemas.microsoft.com/office/drawing/2014/main" id="{3D012DBA-2878-55DE-7A75-A7A7436ABB88}"/>
+              </a:ext>
+            </a:extLst>
+          </p:cNvPr>
+          <p:cNvCxnSpPr>
+            <a:stCxn id="4" idx="3"/>
+            <a:endCxn id="9" idx="1"/>
+          </p:cNvCxnSpPr>
+          <p:nvPr/>
+        </p:nvCxnSpPr>
+        <p:spPr>
+          <a:xfrm>
+            <a:off x="8256000" y="3789000"/>
+            <a:ext cx="720000" cy="0"/>
+          </a:xfrm>
+          <a:prstGeom prst="straightConnector1">
+            <a:avLst/>
+          </a:prstGeom>
+          <a:ln w="38100">
+            <a:tailEnd type="triangle"/>
+          </a:ln>
+        </p:spPr>
+        <p:style>
+          <a:lnRef idx="1">
+            <a:schemeClr val="accent1"/>
+          </a:lnRef>
+          <a:fillRef idx="0">
+            <a:schemeClr val="accent1"/>
+          </a:fillRef>
+          <a:effectRef idx="0">
+            <a:schemeClr val="accent1"/>
+          </a:effectRef>
+          <a:fontRef idx="minor">
+            <a:schemeClr val="tx1"/>
+          </a:fontRef>
+        </p:style>
+      </p:cxnSp>
+      <p:cxnSp>
+        <p:nvCxnSpPr>
+          <p:cNvPr id="13" name="Straight Arrow Connector 12">
+            <a:extLst>
+              <a:ext uri="{FF2B5EF4-FFF2-40B4-BE49-F238E27FC236}">
+                <a16:creationId xmlns:a16="http://schemas.microsoft.com/office/drawing/2014/main" id="{5BE3B581-C098-D5D1-F044-3E8B6D43C9CD}"/>
+              </a:ext>
+            </a:extLst>
+          </p:cNvPr>
+          <p:cNvCxnSpPr>
+            <a:cxnSpLocks/>
+            <a:stCxn id="5" idx="3"/>
+            <a:endCxn id="4" idx="1"/>
+          </p:cNvCxnSpPr>
+          <p:nvPr/>
+        </p:nvCxnSpPr>
+        <p:spPr>
+          <a:xfrm>
+            <a:off x="4656000" y="3789000"/>
+            <a:ext cx="1440000" cy="0"/>
+          </a:xfrm>
+          <a:prstGeom prst="straightConnector1">
+            <a:avLst/>
+          </a:prstGeom>
+          <a:ln w="38100">
+            <a:tailEnd type="triangle"/>
+          </a:ln>
+        </p:spPr>
+        <p:style>
+          <a:lnRef idx="1">
+            <a:schemeClr val="accent1"/>
+          </a:lnRef>
+          <a:fillRef idx="0">
+            <a:schemeClr val="accent1"/>
+          </a:fillRef>
+          <a:effectRef idx="0">
+            <a:schemeClr val="accent1"/>
+          </a:effectRef>
+          <a:fontRef idx="minor">
+            <a:schemeClr val="tx1"/>
+          </a:fontRef>
+        </p:style>
+      </p:cxnSp>
+      <p:sp>
+        <p:nvSpPr>
+          <p:cNvPr id="15" name="TextBox 14">
+            <a:extLst>
+              <a:ext uri="{FF2B5EF4-FFF2-40B4-BE49-F238E27FC236}">
+                <a16:creationId xmlns:a16="http://schemas.microsoft.com/office/drawing/2014/main" id="{A2676302-29C2-6A6E-CCD8-D0E7C8E65874}"/>
+              </a:ext>
+            </a:extLst>
+          </p:cNvPr>
+          <p:cNvSpPr txBox="1"/>
+          <p:nvPr/>
+        </p:nvSpPr>
+        <p:spPr>
+          <a:xfrm>
+            <a:off x="4938053" y="3105834"/>
+            <a:ext cx="944489" cy="646331"/>
+          </a:xfrm>
+          <a:prstGeom prst="rect">
+            <a:avLst/>
+          </a:prstGeom>
+          <a:noFill/>
+        </p:spPr>
+        <p:txBody>
+          <a:bodyPr wrap="none" rtlCol="0">
+            <a:spAutoFit/>
+          </a:bodyPr>
+          <a:lstStyle/>
+          <a:p>
+            <a:pPr algn="ctr"/>
+            <a:r>
+              <a:rPr lang="tr-TR" dirty="0"/>
+              <a:t>Control</a:t>
+            </a:r>
+          </a:p>
+          <a:p>
+            <a:pPr algn="ctr"/>
+            <a:r>
+              <a:rPr lang="tr-TR" dirty="0"/>
+              <a:t>Signal</a:t>
+            </a:r>
           </a:p>
         </p:txBody>
       </p:sp>
@@ -6104,10 +8401,352 @@
           <a:bodyPr/>
           <a:lstStyle/>
           <a:p>
-            <a:endParaRPr lang="tr-TR"/>
-          </a:p>
-        </p:txBody>
-      </p:sp>
+            <a:r>
+              <a:rPr lang="tr-TR" dirty="0"/>
+              <a:t>Açık çevrim kontrole örnek step motorlar ile açı kontrolüdür.</a:t>
+            </a:r>
+          </a:p>
+        </p:txBody>
+      </p:sp>
+      <p:sp>
+        <p:nvSpPr>
+          <p:cNvPr id="10" name="Rectangle 9">
+            <a:extLst>
+              <a:ext uri="{FF2B5EF4-FFF2-40B4-BE49-F238E27FC236}">
+                <a16:creationId xmlns:a16="http://schemas.microsoft.com/office/drawing/2014/main" id="{84D56968-BE37-3C02-8952-C67E462A3B0E}"/>
+              </a:ext>
+            </a:extLst>
+          </p:cNvPr>
+          <p:cNvSpPr/>
+          <p:nvPr/>
+        </p:nvSpPr>
+        <p:spPr>
+          <a:xfrm>
+            <a:off x="6096000" y="3429000"/>
+            <a:ext cx="2160000" cy="720000"/>
+          </a:xfrm>
+          <a:prstGeom prst="rect">
+            <a:avLst/>
+          </a:prstGeom>
+        </p:spPr>
+        <p:style>
+          <a:lnRef idx="2">
+            <a:schemeClr val="accent1">
+              <a:shade val="50000"/>
+            </a:schemeClr>
+          </a:lnRef>
+          <a:fillRef idx="1">
+            <a:schemeClr val="accent1"/>
+          </a:fillRef>
+          <a:effectRef idx="0">
+            <a:schemeClr val="accent1"/>
+          </a:effectRef>
+          <a:fontRef idx="minor">
+            <a:schemeClr val="lt1"/>
+          </a:fontRef>
+        </p:style>
+        <p:txBody>
+          <a:bodyPr rtlCol="0" anchor="ctr"/>
+          <a:lstStyle/>
+          <a:p>
+            <a:pPr algn="ctr"/>
+            <a:r>
+              <a:rPr lang="tr-TR" dirty="0"/>
+              <a:t>Step Motor</a:t>
+            </a:r>
+          </a:p>
+        </p:txBody>
+      </p:sp>
+      <p:sp>
+        <p:nvSpPr>
+          <p:cNvPr id="11" name="Rectangle 10">
+            <a:extLst>
+              <a:ext uri="{FF2B5EF4-FFF2-40B4-BE49-F238E27FC236}">
+                <a16:creationId xmlns:a16="http://schemas.microsoft.com/office/drawing/2014/main" id="{070B78FA-658D-9B7D-C5D2-44B15CD7C76A}"/>
+              </a:ext>
+            </a:extLst>
+          </p:cNvPr>
+          <p:cNvSpPr/>
+          <p:nvPr/>
+        </p:nvSpPr>
+        <p:spPr>
+          <a:xfrm>
+            <a:off x="2496000" y="3429000"/>
+            <a:ext cx="2160000" cy="720000"/>
+          </a:xfrm>
+          <a:prstGeom prst="rect">
+            <a:avLst/>
+          </a:prstGeom>
+        </p:spPr>
+        <p:style>
+          <a:lnRef idx="2">
+            <a:schemeClr val="accent1">
+              <a:shade val="50000"/>
+            </a:schemeClr>
+          </a:lnRef>
+          <a:fillRef idx="1">
+            <a:schemeClr val="accent1"/>
+          </a:fillRef>
+          <a:effectRef idx="0">
+            <a:schemeClr val="accent1"/>
+          </a:effectRef>
+          <a:fontRef idx="minor">
+            <a:schemeClr val="lt1"/>
+          </a:fontRef>
+        </p:style>
+        <p:txBody>
+          <a:bodyPr rtlCol="0" anchor="ctr"/>
+          <a:lstStyle/>
+          <a:p>
+            <a:pPr algn="ctr"/>
+            <a:r>
+              <a:rPr lang="tr-TR" dirty="0"/>
+              <a:t>Motor Driver</a:t>
+            </a:r>
+          </a:p>
+        </p:txBody>
+      </p:sp>
+      <p:sp>
+        <p:nvSpPr>
+          <p:cNvPr id="12" name="TextBox 11">
+            <a:extLst>
+              <a:ext uri="{FF2B5EF4-FFF2-40B4-BE49-F238E27FC236}">
+                <a16:creationId xmlns:a16="http://schemas.microsoft.com/office/drawing/2014/main" id="{DD2E280C-450C-812E-DDAF-67E9B5E5B888}"/>
+              </a:ext>
+            </a:extLst>
+          </p:cNvPr>
+          <p:cNvSpPr txBox="1"/>
+          <p:nvPr/>
+        </p:nvSpPr>
+        <p:spPr>
+          <a:xfrm>
+            <a:off x="8976000" y="3604334"/>
+            <a:ext cx="2700000" cy="369332"/>
+          </a:xfrm>
+          <a:prstGeom prst="rect">
+            <a:avLst/>
+          </a:prstGeom>
+          <a:noFill/>
+        </p:spPr>
+        <p:txBody>
+          <a:bodyPr wrap="square" rtlCol="0">
+            <a:spAutoFit/>
+          </a:bodyPr>
+          <a:lstStyle/>
+          <a:p>
+            <a:r>
+              <a:rPr lang="tr-TR" dirty="0"/>
+              <a:t>Output (Angle)</a:t>
+            </a:r>
+          </a:p>
+        </p:txBody>
+      </p:sp>
+      <p:cxnSp>
+        <p:nvCxnSpPr>
+          <p:cNvPr id="13" name="Straight Arrow Connector 12">
+            <a:extLst>
+              <a:ext uri="{FF2B5EF4-FFF2-40B4-BE49-F238E27FC236}">
+                <a16:creationId xmlns:a16="http://schemas.microsoft.com/office/drawing/2014/main" id="{725F098A-D385-2F3D-E40C-482165CE7CC3}"/>
+              </a:ext>
+            </a:extLst>
+          </p:cNvPr>
+          <p:cNvCxnSpPr>
+            <a:cxnSpLocks/>
+            <a:stCxn id="10" idx="3"/>
+            <a:endCxn id="12" idx="1"/>
+          </p:cNvCxnSpPr>
+          <p:nvPr/>
+        </p:nvCxnSpPr>
+        <p:spPr>
+          <a:xfrm>
+            <a:off x="8256000" y="3789000"/>
+            <a:ext cx="720000" cy="0"/>
+          </a:xfrm>
+          <a:prstGeom prst="straightConnector1">
+            <a:avLst/>
+          </a:prstGeom>
+          <a:ln w="38100">
+            <a:tailEnd type="triangle"/>
+          </a:ln>
+        </p:spPr>
+        <p:style>
+          <a:lnRef idx="1">
+            <a:schemeClr val="accent1"/>
+          </a:lnRef>
+          <a:fillRef idx="0">
+            <a:schemeClr val="accent1"/>
+          </a:fillRef>
+          <a:effectRef idx="0">
+            <a:schemeClr val="accent1"/>
+          </a:effectRef>
+          <a:fontRef idx="minor">
+            <a:schemeClr val="tx1"/>
+          </a:fontRef>
+        </p:style>
+      </p:cxnSp>
+      <p:cxnSp>
+        <p:nvCxnSpPr>
+          <p:cNvPr id="14" name="Straight Arrow Connector 13">
+            <a:extLst>
+              <a:ext uri="{FF2B5EF4-FFF2-40B4-BE49-F238E27FC236}">
+                <a16:creationId xmlns:a16="http://schemas.microsoft.com/office/drawing/2014/main" id="{EEF4774E-2655-412E-E90E-52B1A23EC4D1}"/>
+              </a:ext>
+            </a:extLst>
+          </p:cNvPr>
+          <p:cNvCxnSpPr>
+            <a:cxnSpLocks/>
+            <a:stCxn id="11" idx="3"/>
+            <a:endCxn id="10" idx="1"/>
+          </p:cNvCxnSpPr>
+          <p:nvPr/>
+        </p:nvCxnSpPr>
+        <p:spPr>
+          <a:xfrm>
+            <a:off x="4656000" y="3789000"/>
+            <a:ext cx="1440000" cy="0"/>
+          </a:xfrm>
+          <a:prstGeom prst="straightConnector1">
+            <a:avLst/>
+          </a:prstGeom>
+          <a:ln w="38100">
+            <a:tailEnd type="triangle"/>
+          </a:ln>
+        </p:spPr>
+        <p:style>
+          <a:lnRef idx="1">
+            <a:schemeClr val="accent1"/>
+          </a:lnRef>
+          <a:fillRef idx="0">
+            <a:schemeClr val="accent1"/>
+          </a:fillRef>
+          <a:effectRef idx="0">
+            <a:schemeClr val="accent1"/>
+          </a:effectRef>
+          <a:fontRef idx="minor">
+            <a:schemeClr val="tx1"/>
+          </a:fontRef>
+        </p:style>
+      </p:cxnSp>
+      <p:sp>
+        <p:nvSpPr>
+          <p:cNvPr id="15" name="TextBox 14">
+            <a:extLst>
+              <a:ext uri="{FF2B5EF4-FFF2-40B4-BE49-F238E27FC236}">
+                <a16:creationId xmlns:a16="http://schemas.microsoft.com/office/drawing/2014/main" id="{DFB85918-8459-BFBA-8B48-7B9C031DF0EC}"/>
+              </a:ext>
+            </a:extLst>
+          </p:cNvPr>
+          <p:cNvSpPr txBox="1"/>
+          <p:nvPr/>
+        </p:nvSpPr>
+        <p:spPr>
+          <a:xfrm>
+            <a:off x="4938053" y="3105834"/>
+            <a:ext cx="944489" cy="646331"/>
+          </a:xfrm>
+          <a:prstGeom prst="rect">
+            <a:avLst/>
+          </a:prstGeom>
+          <a:noFill/>
+        </p:spPr>
+        <p:txBody>
+          <a:bodyPr wrap="none" rtlCol="0">
+            <a:spAutoFit/>
+          </a:bodyPr>
+          <a:lstStyle/>
+          <a:p>
+            <a:pPr algn="ctr"/>
+            <a:r>
+              <a:rPr lang="tr-TR" dirty="0"/>
+              <a:t>Control</a:t>
+            </a:r>
+          </a:p>
+          <a:p>
+            <a:pPr algn="ctr"/>
+            <a:r>
+              <a:rPr lang="tr-TR" dirty="0"/>
+              <a:t>Signal</a:t>
+            </a:r>
+          </a:p>
+        </p:txBody>
+      </p:sp>
+      <p:sp>
+        <p:nvSpPr>
+          <p:cNvPr id="17" name="TextBox 16">
+            <a:extLst>
+              <a:ext uri="{FF2B5EF4-FFF2-40B4-BE49-F238E27FC236}">
+                <a16:creationId xmlns:a16="http://schemas.microsoft.com/office/drawing/2014/main" id="{24D63587-F4AC-A450-F56A-07AA3ED2BF07}"/>
+              </a:ext>
+            </a:extLst>
+          </p:cNvPr>
+          <p:cNvSpPr txBox="1"/>
+          <p:nvPr/>
+        </p:nvSpPr>
+        <p:spPr>
+          <a:xfrm>
+            <a:off x="377694" y="3604334"/>
+            <a:ext cx="1620000" cy="369332"/>
+          </a:xfrm>
+          <a:prstGeom prst="rect">
+            <a:avLst/>
+          </a:prstGeom>
+          <a:noFill/>
+        </p:spPr>
+        <p:txBody>
+          <a:bodyPr wrap="square" rtlCol="0">
+            <a:spAutoFit/>
+          </a:bodyPr>
+          <a:lstStyle/>
+          <a:p>
+            <a:r>
+              <a:rPr lang="tr-TR" dirty="0"/>
+              <a:t>Input (Angle)</a:t>
+            </a:r>
+          </a:p>
+        </p:txBody>
+      </p:sp>
+      <p:cxnSp>
+        <p:nvCxnSpPr>
+          <p:cNvPr id="19" name="Straight Arrow Connector 18">
+            <a:extLst>
+              <a:ext uri="{FF2B5EF4-FFF2-40B4-BE49-F238E27FC236}">
+                <a16:creationId xmlns:a16="http://schemas.microsoft.com/office/drawing/2014/main" id="{302AFCF0-7605-EE3B-0F74-96D27C944B2D}"/>
+              </a:ext>
+            </a:extLst>
+          </p:cNvPr>
+          <p:cNvCxnSpPr>
+            <a:stCxn id="17" idx="3"/>
+            <a:endCxn id="11" idx="1"/>
+          </p:cNvCxnSpPr>
+          <p:nvPr/>
+        </p:nvCxnSpPr>
+        <p:spPr>
+          <a:xfrm>
+            <a:off x="1997694" y="3789000"/>
+            <a:ext cx="498306" cy="0"/>
+          </a:xfrm>
+          <a:prstGeom prst="straightConnector1">
+            <a:avLst/>
+          </a:prstGeom>
+          <a:ln w="38100">
+            <a:tailEnd type="triangle"/>
+          </a:ln>
+        </p:spPr>
+        <p:style>
+          <a:lnRef idx="1">
+            <a:schemeClr val="accent1"/>
+          </a:lnRef>
+          <a:fillRef idx="0">
+            <a:schemeClr val="accent1"/>
+          </a:fillRef>
+          <a:effectRef idx="0">
+            <a:schemeClr val="accent1"/>
+          </a:effectRef>
+          <a:fontRef idx="minor">
+            <a:schemeClr val="tx1"/>
+          </a:fontRef>
+        </p:style>
+      </p:cxnSp>
     </p:spTree>
     <p:extLst>
       <p:ext uri="{BB962C8B-B14F-4D97-AF65-F5344CB8AC3E}">
@@ -6206,10 +8845,620 @@
           <a:bodyPr/>
           <a:lstStyle/>
           <a:p>
-            <a:endParaRPr lang="tr-TR"/>
-          </a:p>
-        </p:txBody>
-      </p:sp>
+            <a:r>
+              <a:rPr lang="tr-TR" dirty="0"/>
+              <a:t>Kapalı çevrim kontrole örnek DC motorlar ile hız kontrolüdür.</a:t>
+            </a:r>
+          </a:p>
+          <a:p>
+            <a:endParaRPr lang="tr-TR" dirty="0"/>
+          </a:p>
+        </p:txBody>
+      </p:sp>
+      <p:sp>
+        <p:nvSpPr>
+          <p:cNvPr id="4" name="Rectangle 3">
+            <a:extLst>
+              <a:ext uri="{FF2B5EF4-FFF2-40B4-BE49-F238E27FC236}">
+                <a16:creationId xmlns:a16="http://schemas.microsoft.com/office/drawing/2014/main" id="{2E31E7A6-D944-9187-2043-DAE03E423108}"/>
+              </a:ext>
+            </a:extLst>
+          </p:cNvPr>
+          <p:cNvSpPr/>
+          <p:nvPr/>
+        </p:nvSpPr>
+        <p:spPr>
+          <a:xfrm>
+            <a:off x="6096000" y="3429000"/>
+            <a:ext cx="2160000" cy="720000"/>
+          </a:xfrm>
+          <a:prstGeom prst="rect">
+            <a:avLst/>
+          </a:prstGeom>
+        </p:spPr>
+        <p:style>
+          <a:lnRef idx="2">
+            <a:schemeClr val="accent1">
+              <a:shade val="50000"/>
+            </a:schemeClr>
+          </a:lnRef>
+          <a:fillRef idx="1">
+            <a:schemeClr val="accent1"/>
+          </a:fillRef>
+          <a:effectRef idx="0">
+            <a:schemeClr val="accent1"/>
+          </a:effectRef>
+          <a:fontRef idx="minor">
+            <a:schemeClr val="lt1"/>
+          </a:fontRef>
+        </p:style>
+        <p:txBody>
+          <a:bodyPr rtlCol="0" anchor="ctr"/>
+          <a:lstStyle/>
+          <a:p>
+            <a:pPr algn="ctr"/>
+            <a:r>
+              <a:rPr lang="tr-TR" dirty="0"/>
+              <a:t>DC Motor</a:t>
+            </a:r>
+          </a:p>
+        </p:txBody>
+      </p:sp>
+      <p:sp>
+        <p:nvSpPr>
+          <p:cNvPr id="5" name="Rectangle 4">
+            <a:extLst>
+              <a:ext uri="{FF2B5EF4-FFF2-40B4-BE49-F238E27FC236}">
+                <a16:creationId xmlns:a16="http://schemas.microsoft.com/office/drawing/2014/main" id="{BB19C868-FC3E-AA6B-6FB8-FF62C8CE2472}"/>
+              </a:ext>
+            </a:extLst>
+          </p:cNvPr>
+          <p:cNvSpPr/>
+          <p:nvPr/>
+        </p:nvSpPr>
+        <p:spPr>
+          <a:xfrm>
+            <a:off x="2496000" y="3429000"/>
+            <a:ext cx="2160000" cy="720000"/>
+          </a:xfrm>
+          <a:prstGeom prst="rect">
+            <a:avLst/>
+          </a:prstGeom>
+        </p:spPr>
+        <p:style>
+          <a:lnRef idx="2">
+            <a:schemeClr val="accent1">
+              <a:shade val="50000"/>
+            </a:schemeClr>
+          </a:lnRef>
+          <a:fillRef idx="1">
+            <a:schemeClr val="accent1"/>
+          </a:fillRef>
+          <a:effectRef idx="0">
+            <a:schemeClr val="accent1"/>
+          </a:effectRef>
+          <a:fontRef idx="minor">
+            <a:schemeClr val="lt1"/>
+          </a:fontRef>
+        </p:style>
+        <p:txBody>
+          <a:bodyPr rtlCol="0" anchor="ctr"/>
+          <a:lstStyle/>
+          <a:p>
+            <a:pPr algn="ctr"/>
+            <a:r>
+              <a:rPr lang="tr-TR" dirty="0"/>
+              <a:t>Motor Driver</a:t>
+            </a:r>
+          </a:p>
+        </p:txBody>
+      </p:sp>
+      <p:sp>
+        <p:nvSpPr>
+          <p:cNvPr id="6" name="TextBox 5">
+            <a:extLst>
+              <a:ext uri="{FF2B5EF4-FFF2-40B4-BE49-F238E27FC236}">
+                <a16:creationId xmlns:a16="http://schemas.microsoft.com/office/drawing/2014/main" id="{7D379C1B-0F6A-D792-3C6C-FEB952824EB1}"/>
+              </a:ext>
+            </a:extLst>
+          </p:cNvPr>
+          <p:cNvSpPr txBox="1"/>
+          <p:nvPr/>
+        </p:nvSpPr>
+        <p:spPr>
+          <a:xfrm>
+            <a:off x="8976000" y="3604334"/>
+            <a:ext cx="2700000" cy="369332"/>
+          </a:xfrm>
+          <a:prstGeom prst="rect">
+            <a:avLst/>
+          </a:prstGeom>
+          <a:noFill/>
+        </p:spPr>
+        <p:txBody>
+          <a:bodyPr wrap="square" rtlCol="0">
+            <a:spAutoFit/>
+          </a:bodyPr>
+          <a:lstStyle/>
+          <a:p>
+            <a:r>
+              <a:rPr lang="tr-TR" dirty="0"/>
+              <a:t>Output (Speed)</a:t>
+            </a:r>
+          </a:p>
+        </p:txBody>
+      </p:sp>
+      <p:cxnSp>
+        <p:nvCxnSpPr>
+          <p:cNvPr id="7" name="Straight Arrow Connector 6">
+            <a:extLst>
+              <a:ext uri="{FF2B5EF4-FFF2-40B4-BE49-F238E27FC236}">
+                <a16:creationId xmlns:a16="http://schemas.microsoft.com/office/drawing/2014/main" id="{FF6409E8-51C5-8872-E8E7-922841609D7B}"/>
+              </a:ext>
+            </a:extLst>
+          </p:cNvPr>
+          <p:cNvCxnSpPr>
+            <a:cxnSpLocks/>
+            <a:stCxn id="4" idx="3"/>
+            <a:endCxn id="6" idx="1"/>
+          </p:cNvCxnSpPr>
+          <p:nvPr/>
+        </p:nvCxnSpPr>
+        <p:spPr>
+          <a:xfrm>
+            <a:off x="8256000" y="3789000"/>
+            <a:ext cx="720000" cy="0"/>
+          </a:xfrm>
+          <a:prstGeom prst="straightConnector1">
+            <a:avLst/>
+          </a:prstGeom>
+          <a:ln w="38100">
+            <a:tailEnd type="triangle"/>
+          </a:ln>
+        </p:spPr>
+        <p:style>
+          <a:lnRef idx="1">
+            <a:schemeClr val="accent1"/>
+          </a:lnRef>
+          <a:fillRef idx="0">
+            <a:schemeClr val="accent1"/>
+          </a:fillRef>
+          <a:effectRef idx="0">
+            <a:schemeClr val="accent1"/>
+          </a:effectRef>
+          <a:fontRef idx="minor">
+            <a:schemeClr val="tx1"/>
+          </a:fontRef>
+        </p:style>
+      </p:cxnSp>
+      <p:cxnSp>
+        <p:nvCxnSpPr>
+          <p:cNvPr id="8" name="Straight Arrow Connector 7">
+            <a:extLst>
+              <a:ext uri="{FF2B5EF4-FFF2-40B4-BE49-F238E27FC236}">
+                <a16:creationId xmlns:a16="http://schemas.microsoft.com/office/drawing/2014/main" id="{DEB2248B-5543-B81D-A3AD-9928F17163C0}"/>
+              </a:ext>
+            </a:extLst>
+          </p:cNvPr>
+          <p:cNvCxnSpPr>
+            <a:cxnSpLocks/>
+            <a:stCxn id="5" idx="3"/>
+            <a:endCxn id="4" idx="1"/>
+          </p:cNvCxnSpPr>
+          <p:nvPr/>
+        </p:nvCxnSpPr>
+        <p:spPr>
+          <a:xfrm>
+            <a:off x="4656000" y="3789000"/>
+            <a:ext cx="1440000" cy="0"/>
+          </a:xfrm>
+          <a:prstGeom prst="straightConnector1">
+            <a:avLst/>
+          </a:prstGeom>
+          <a:ln w="38100">
+            <a:tailEnd type="triangle"/>
+          </a:ln>
+        </p:spPr>
+        <p:style>
+          <a:lnRef idx="1">
+            <a:schemeClr val="accent1"/>
+          </a:lnRef>
+          <a:fillRef idx="0">
+            <a:schemeClr val="accent1"/>
+          </a:fillRef>
+          <a:effectRef idx="0">
+            <a:schemeClr val="accent1"/>
+          </a:effectRef>
+          <a:fontRef idx="minor">
+            <a:schemeClr val="tx1"/>
+          </a:fontRef>
+        </p:style>
+      </p:cxnSp>
+      <p:sp>
+        <p:nvSpPr>
+          <p:cNvPr id="9" name="TextBox 8">
+            <a:extLst>
+              <a:ext uri="{FF2B5EF4-FFF2-40B4-BE49-F238E27FC236}">
+                <a16:creationId xmlns:a16="http://schemas.microsoft.com/office/drawing/2014/main" id="{86D6C301-48D5-26D8-4B35-72329EE39B7A}"/>
+              </a:ext>
+            </a:extLst>
+          </p:cNvPr>
+          <p:cNvSpPr txBox="1"/>
+          <p:nvPr/>
+        </p:nvSpPr>
+        <p:spPr>
+          <a:xfrm>
+            <a:off x="4938053" y="3105834"/>
+            <a:ext cx="944489" cy="646331"/>
+          </a:xfrm>
+          <a:prstGeom prst="rect">
+            <a:avLst/>
+          </a:prstGeom>
+          <a:noFill/>
+        </p:spPr>
+        <p:txBody>
+          <a:bodyPr wrap="none" rtlCol="0">
+            <a:spAutoFit/>
+          </a:bodyPr>
+          <a:lstStyle/>
+          <a:p>
+            <a:pPr algn="ctr"/>
+            <a:r>
+              <a:rPr lang="tr-TR" dirty="0"/>
+              <a:t>Control</a:t>
+            </a:r>
+          </a:p>
+          <a:p>
+            <a:pPr algn="ctr"/>
+            <a:r>
+              <a:rPr lang="tr-TR" dirty="0"/>
+              <a:t>Signal</a:t>
+            </a:r>
+          </a:p>
+        </p:txBody>
+      </p:sp>
+      <p:sp>
+        <p:nvSpPr>
+          <p:cNvPr id="10" name="TextBox 9">
+            <a:extLst>
+              <a:ext uri="{FF2B5EF4-FFF2-40B4-BE49-F238E27FC236}">
+                <a16:creationId xmlns:a16="http://schemas.microsoft.com/office/drawing/2014/main" id="{FE127696-A8B1-8DBF-41BE-9C0DE6A50D45}"/>
+              </a:ext>
+            </a:extLst>
+          </p:cNvPr>
+          <p:cNvSpPr txBox="1"/>
+          <p:nvPr/>
+        </p:nvSpPr>
+        <p:spPr>
+          <a:xfrm>
+            <a:off x="156000" y="3604334"/>
+            <a:ext cx="1578306" cy="369332"/>
+          </a:xfrm>
+          <a:prstGeom prst="rect">
+            <a:avLst/>
+          </a:prstGeom>
+          <a:noFill/>
+        </p:spPr>
+        <p:txBody>
+          <a:bodyPr wrap="square" rtlCol="0">
+            <a:spAutoFit/>
+          </a:bodyPr>
+          <a:lstStyle/>
+          <a:p>
+            <a:r>
+              <a:rPr lang="tr-TR" dirty="0"/>
+              <a:t>Input (Speed)</a:t>
+            </a:r>
+          </a:p>
+        </p:txBody>
+      </p:sp>
+      <p:sp>
+        <p:nvSpPr>
+          <p:cNvPr id="12" name="Oval 11">
+            <a:extLst>
+              <a:ext uri="{FF2B5EF4-FFF2-40B4-BE49-F238E27FC236}">
+                <a16:creationId xmlns:a16="http://schemas.microsoft.com/office/drawing/2014/main" id="{0A9652C1-BC26-D0A7-250C-7D2F31F2FF55}"/>
+              </a:ext>
+            </a:extLst>
+          </p:cNvPr>
+          <p:cNvSpPr/>
+          <p:nvPr/>
+        </p:nvSpPr>
+        <p:spPr>
+          <a:xfrm>
+            <a:off x="1997694" y="3604334"/>
+            <a:ext cx="360000" cy="369332"/>
+          </a:xfrm>
+          <a:prstGeom prst="ellipse">
+            <a:avLst/>
+          </a:prstGeom>
+        </p:spPr>
+        <p:style>
+          <a:lnRef idx="2">
+            <a:schemeClr val="accent1">
+              <a:shade val="50000"/>
+            </a:schemeClr>
+          </a:lnRef>
+          <a:fillRef idx="1">
+            <a:schemeClr val="accent1"/>
+          </a:fillRef>
+          <a:effectRef idx="0">
+            <a:schemeClr val="accent1"/>
+          </a:effectRef>
+          <a:fontRef idx="minor">
+            <a:schemeClr val="lt1"/>
+          </a:fontRef>
+        </p:style>
+        <p:txBody>
+          <a:bodyPr rtlCol="0" anchor="ctr"/>
+          <a:lstStyle/>
+          <a:p>
+            <a:pPr algn="ctr"/>
+            <a:r>
+              <a:rPr lang="tr-TR" dirty="0"/>
+              <a:t>+</a:t>
+            </a:r>
+          </a:p>
+        </p:txBody>
+      </p:sp>
+      <p:cxnSp>
+        <p:nvCxnSpPr>
+          <p:cNvPr id="14" name="Straight Arrow Connector 13">
+            <a:extLst>
+              <a:ext uri="{FF2B5EF4-FFF2-40B4-BE49-F238E27FC236}">
+                <a16:creationId xmlns:a16="http://schemas.microsoft.com/office/drawing/2014/main" id="{D29AEF3E-934F-41DB-B3B4-14022176FE0E}"/>
+              </a:ext>
+            </a:extLst>
+          </p:cNvPr>
+          <p:cNvCxnSpPr>
+            <a:endCxn id="12" idx="2"/>
+          </p:cNvCxnSpPr>
+          <p:nvPr/>
+        </p:nvCxnSpPr>
+        <p:spPr>
+          <a:xfrm>
+            <a:off x="1734306" y="3789000"/>
+            <a:ext cx="263388" cy="0"/>
+          </a:xfrm>
+          <a:prstGeom prst="straightConnector1">
+            <a:avLst/>
+          </a:prstGeom>
+          <a:ln w="38100">
+            <a:tailEnd type="triangle"/>
+          </a:ln>
+        </p:spPr>
+        <p:style>
+          <a:lnRef idx="1">
+            <a:schemeClr val="accent1"/>
+          </a:lnRef>
+          <a:fillRef idx="0">
+            <a:schemeClr val="accent1"/>
+          </a:fillRef>
+          <a:effectRef idx="0">
+            <a:schemeClr val="accent1"/>
+          </a:effectRef>
+          <a:fontRef idx="minor">
+            <a:schemeClr val="tx1"/>
+          </a:fontRef>
+        </p:style>
+      </p:cxnSp>
+      <p:cxnSp>
+        <p:nvCxnSpPr>
+          <p:cNvPr id="16" name="Connector: Elbow 15">
+            <a:extLst>
+              <a:ext uri="{FF2B5EF4-FFF2-40B4-BE49-F238E27FC236}">
+                <a16:creationId xmlns:a16="http://schemas.microsoft.com/office/drawing/2014/main" id="{5847A3EE-082B-D9ED-6002-FD0CBA94F270}"/>
+              </a:ext>
+            </a:extLst>
+          </p:cNvPr>
+          <p:cNvCxnSpPr>
+            <a:endCxn id="12" idx="4"/>
+          </p:cNvCxnSpPr>
+          <p:nvPr/>
+        </p:nvCxnSpPr>
+        <p:spPr>
+          <a:xfrm rot="10800000" flipV="1">
+            <a:off x="2177694" y="3789000"/>
+            <a:ext cx="6438306" cy="184666"/>
+          </a:xfrm>
+          <a:prstGeom prst="bentConnector4">
+            <a:avLst>
+              <a:gd name="adj1" fmla="val 109"/>
+              <a:gd name="adj2" fmla="val 388846"/>
+            </a:avLst>
+          </a:prstGeom>
+          <a:ln w="38100">
+            <a:tailEnd type="triangle"/>
+          </a:ln>
+        </p:spPr>
+        <p:style>
+          <a:lnRef idx="1">
+            <a:schemeClr val="accent1"/>
+          </a:lnRef>
+          <a:fillRef idx="0">
+            <a:schemeClr val="accent1"/>
+          </a:fillRef>
+          <a:effectRef idx="0">
+            <a:schemeClr val="accent1"/>
+          </a:effectRef>
+          <a:fontRef idx="minor">
+            <a:schemeClr val="tx1"/>
+          </a:fontRef>
+        </p:style>
+      </p:cxnSp>
+      <p:sp>
+        <p:nvSpPr>
+          <p:cNvPr id="19" name="TextBox 18">
+            <a:extLst>
+              <a:ext uri="{FF2B5EF4-FFF2-40B4-BE49-F238E27FC236}">
+                <a16:creationId xmlns:a16="http://schemas.microsoft.com/office/drawing/2014/main" id="{B5845DC1-141B-DE6B-8570-8EC2EAA52C26}"/>
+              </a:ext>
+            </a:extLst>
+          </p:cNvPr>
+          <p:cNvSpPr txBox="1"/>
+          <p:nvPr/>
+        </p:nvSpPr>
+        <p:spPr>
+          <a:xfrm>
+            <a:off x="4812391" y="4159797"/>
+            <a:ext cx="1168910" cy="646331"/>
+          </a:xfrm>
+          <a:prstGeom prst="rect">
+            <a:avLst/>
+          </a:prstGeom>
+          <a:noFill/>
+        </p:spPr>
+        <p:txBody>
+          <a:bodyPr wrap="none" rtlCol="0">
+            <a:spAutoFit/>
+          </a:bodyPr>
+          <a:lstStyle/>
+          <a:p>
+            <a:pPr algn="ctr"/>
+            <a:r>
+              <a:rPr lang="tr-TR" dirty="0"/>
+              <a:t>Feedback</a:t>
+            </a:r>
+          </a:p>
+          <a:p>
+            <a:pPr algn="ctr"/>
+            <a:r>
+              <a:rPr lang="tr-TR" dirty="0"/>
+              <a:t>Signal</a:t>
+            </a:r>
+          </a:p>
+        </p:txBody>
+      </p:sp>
+      <p:cxnSp>
+        <p:nvCxnSpPr>
+          <p:cNvPr id="23" name="Straight Arrow Connector 22">
+            <a:extLst>
+              <a:ext uri="{FF2B5EF4-FFF2-40B4-BE49-F238E27FC236}">
+                <a16:creationId xmlns:a16="http://schemas.microsoft.com/office/drawing/2014/main" id="{B3B30D8E-0254-9BEE-0B9A-1D37062A46D7}"/>
+              </a:ext>
+            </a:extLst>
+          </p:cNvPr>
+          <p:cNvCxnSpPr>
+            <a:stCxn id="12" idx="6"/>
+            <a:endCxn id="5" idx="1"/>
+          </p:cNvCxnSpPr>
+          <p:nvPr/>
+        </p:nvCxnSpPr>
+        <p:spPr>
+          <a:xfrm>
+            <a:off x="2357694" y="3789000"/>
+            <a:ext cx="138306" cy="0"/>
+          </a:xfrm>
+          <a:prstGeom prst="straightConnector1">
+            <a:avLst/>
+          </a:prstGeom>
+          <a:ln w="38100">
+            <a:tailEnd type="triangle"/>
+          </a:ln>
+        </p:spPr>
+        <p:style>
+          <a:lnRef idx="1">
+            <a:schemeClr val="accent1"/>
+          </a:lnRef>
+          <a:fillRef idx="0">
+            <a:schemeClr val="accent1"/>
+          </a:fillRef>
+          <a:effectRef idx="0">
+            <a:schemeClr val="accent1"/>
+          </a:effectRef>
+          <a:fontRef idx="minor">
+            <a:schemeClr val="tx1"/>
+          </a:fontRef>
+        </p:style>
+      </p:cxnSp>
+      <p:sp>
+        <p:nvSpPr>
+          <p:cNvPr id="24" name="TextBox 23">
+            <a:extLst>
+              <a:ext uri="{FF2B5EF4-FFF2-40B4-BE49-F238E27FC236}">
+                <a16:creationId xmlns:a16="http://schemas.microsoft.com/office/drawing/2014/main" id="{5134B276-4B36-0350-E7EF-9E825B0835B3}"/>
+              </a:ext>
+            </a:extLst>
+          </p:cNvPr>
+          <p:cNvSpPr txBox="1"/>
+          <p:nvPr/>
+        </p:nvSpPr>
+        <p:spPr>
+          <a:xfrm>
+            <a:off x="1658699" y="2709000"/>
+            <a:ext cx="1377301" cy="369332"/>
+          </a:xfrm>
+          <a:prstGeom prst="rect">
+            <a:avLst/>
+          </a:prstGeom>
+          <a:noFill/>
+        </p:spPr>
+        <p:txBody>
+          <a:bodyPr wrap="none" rtlCol="0">
+            <a:spAutoFit/>
+          </a:bodyPr>
+          <a:lstStyle/>
+          <a:p>
+            <a:pPr algn="ctr"/>
+            <a:r>
+              <a:rPr lang="tr-TR" dirty="0" err="1"/>
+              <a:t>Error</a:t>
+            </a:r>
+            <a:r>
+              <a:rPr lang="tr-TR" dirty="0"/>
+              <a:t> Signal</a:t>
+            </a:r>
+          </a:p>
+        </p:txBody>
+      </p:sp>
+      <p:cxnSp>
+        <p:nvCxnSpPr>
+          <p:cNvPr id="26" name="Straight Arrow Connector 25">
+            <a:extLst>
+              <a:ext uri="{FF2B5EF4-FFF2-40B4-BE49-F238E27FC236}">
+                <a16:creationId xmlns:a16="http://schemas.microsoft.com/office/drawing/2014/main" id="{43DEEDC2-F2A5-077A-5167-1F5DECBD610C}"/>
+              </a:ext>
+            </a:extLst>
+          </p:cNvPr>
+          <p:cNvCxnSpPr>
+            <a:stCxn id="24" idx="2"/>
+            <a:endCxn id="12" idx="6"/>
+          </p:cNvCxnSpPr>
+          <p:nvPr/>
+        </p:nvCxnSpPr>
+        <p:spPr>
+          <a:xfrm>
+            <a:off x="2347350" y="3078332"/>
+            <a:ext cx="79497" cy="710668"/>
+          </a:xfrm>
+          <a:prstGeom prst="straightConnector1">
+            <a:avLst/>
+          </a:prstGeom>
+          <a:ln w="38100" cap="flat" cmpd="sng" algn="ctr">
+            <a:solidFill>
+              <a:schemeClr val="accent1"/>
+            </a:solidFill>
+            <a:prstDash val="dash"/>
+            <a:round/>
+            <a:headEnd type="none" w="med" len="med"/>
+            <a:tailEnd type="none" w="med" len="med"/>
+          </a:ln>
+        </p:spPr>
+        <p:style>
+          <a:lnRef idx="0">
+            <a:scrgbClr r="0" g="0" b="0"/>
+          </a:lnRef>
+          <a:fillRef idx="0">
+            <a:scrgbClr r="0" g="0" b="0"/>
+          </a:fillRef>
+          <a:effectRef idx="0">
+            <a:scrgbClr r="0" g="0" b="0"/>
+          </a:effectRef>
+          <a:fontRef idx="minor">
+            <a:schemeClr val="tx1"/>
+          </a:fontRef>
+        </p:style>
+      </p:cxnSp>
     </p:spTree>
     <p:extLst>
       <p:ext uri="{BB962C8B-B14F-4D97-AF65-F5344CB8AC3E}">
@@ -6263,7 +9512,7 @@
           <a:p>
             <a:r>
               <a:rPr lang="tr-TR" dirty="0"/>
-              <a:t>PID Kontrolcü</a:t>
+              <a:t>Örnek Kontrol Sistemleri</a:t>
             </a:r>
           </a:p>
         </p:txBody>
@@ -6289,14 +9538,1428 @@
           <a:bodyPr/>
           <a:lstStyle/>
           <a:p>
-            <a:endParaRPr lang="tr-TR"/>
+            <a:r>
+              <a:rPr lang="tr-TR" dirty="0"/>
+              <a:t>Döner kanatlı hava araçları için açı kontrolü</a:t>
+            </a:r>
+          </a:p>
+          <a:p>
+            <a:r>
+              <a:rPr lang="tr-TR" dirty="0"/>
+              <a:t>Hassas sıcaklık kontrolü</a:t>
+            </a:r>
+          </a:p>
+          <a:p>
+            <a:r>
+              <a:rPr lang="tr-TR" dirty="0"/>
+              <a:t>Kilitlenme karşıtı frenleme sistemi (ABS)</a:t>
+            </a:r>
+          </a:p>
+          <a:p>
+            <a:r>
+              <a:rPr lang="tr-TR" dirty="0"/>
+              <a:t>Hız kontrolü</a:t>
+            </a:r>
+          </a:p>
+          <a:p>
+            <a:endParaRPr lang="tr-TR" dirty="0"/>
+          </a:p>
+          <a:p>
+            <a:endParaRPr lang="tr-TR" dirty="0"/>
           </a:p>
         </p:txBody>
       </p:sp>
     </p:spTree>
     <p:extLst>
       <p:ext uri="{BB962C8B-B14F-4D97-AF65-F5344CB8AC3E}">
-        <p14:creationId xmlns:p14="http://schemas.microsoft.com/office/powerpoint/2010/main" val="3537298175"/>
+        <p14:creationId xmlns:p14="http://schemas.microsoft.com/office/powerpoint/2010/main" val="2844881806"/>
+      </p:ext>
+    </p:extLst>
+  </p:cSld>
+  <p:clrMapOvr>
+    <a:masterClrMapping/>
+  </p:clrMapOvr>
+</p:sld>
+</file>
+
+<file path=ppt/slides/slide7.xml><?xml version="1.0" encoding="utf-8"?>
+<p:sld xmlns:a="http://schemas.openxmlformats.org/drawingml/2006/main" xmlns:r="http://schemas.openxmlformats.org/officeDocument/2006/relationships" xmlns:p="http://schemas.openxmlformats.org/presentationml/2006/main">
+  <p:cSld>
+    <p:spTree>
+      <p:nvGrpSpPr>
+        <p:cNvPr id="1" name=""/>
+        <p:cNvGrpSpPr/>
+        <p:nvPr/>
+      </p:nvGrpSpPr>
+      <p:grpSpPr>
+        <a:xfrm>
+          <a:off x="0" y="0"/>
+          <a:ext cx="0" cy="0"/>
+          <a:chOff x="0" y="0"/>
+          <a:chExt cx="0" cy="0"/>
+        </a:xfrm>
+      </p:grpSpPr>
+      <p:sp>
+        <p:nvSpPr>
+          <p:cNvPr id="2" name="Title 1">
+            <a:extLst>
+              <a:ext uri="{FF2B5EF4-FFF2-40B4-BE49-F238E27FC236}">
+                <a16:creationId xmlns:a16="http://schemas.microsoft.com/office/drawing/2014/main" id="{13ED3AA6-7204-0345-136D-49A934289E91}"/>
+              </a:ext>
+            </a:extLst>
+          </p:cNvPr>
+          <p:cNvSpPr>
+            <a:spLocks noGrp="1"/>
+          </p:cNvSpPr>
+          <p:nvPr>
+            <p:ph type="title"/>
+          </p:nvPr>
+        </p:nvSpPr>
+        <p:spPr/>
+        <p:txBody>
+          <a:bodyPr/>
+          <a:lstStyle/>
+          <a:p>
+            <a:r>
+              <a:rPr lang="tr-TR" dirty="0"/>
+              <a:t>Örnek Kontrol Sistemi</a:t>
+            </a:r>
+            <a:br>
+              <a:rPr lang="tr-TR" dirty="0"/>
+            </a:br>
+            <a:r>
+              <a:rPr lang="tr-TR" sz="2400" dirty="0"/>
+              <a:t>Sıcaklık Kontrolü-Plant</a:t>
+            </a:r>
+          </a:p>
+        </p:txBody>
+      </p:sp>
+      <p:sp>
+        <p:nvSpPr>
+          <p:cNvPr id="3" name="Content Placeholder 2">
+            <a:extLst>
+              <a:ext uri="{FF2B5EF4-FFF2-40B4-BE49-F238E27FC236}">
+                <a16:creationId xmlns:a16="http://schemas.microsoft.com/office/drawing/2014/main" id="{C01399F5-CD9B-00A7-891E-C25A7123DACF}"/>
+              </a:ext>
+            </a:extLst>
+          </p:cNvPr>
+          <p:cNvSpPr>
+            <a:spLocks noGrp="1"/>
+          </p:cNvSpPr>
+          <p:nvPr>
+            <p:ph idx="1"/>
+          </p:nvPr>
+        </p:nvSpPr>
+        <p:spPr/>
+        <p:txBody>
+          <a:bodyPr/>
+          <a:lstStyle/>
+          <a:p>
+            <a:r>
+              <a:rPr lang="tr-TR" dirty="0"/>
+              <a:t>Plant bir oda, sistem, cisim olabilir</a:t>
+            </a:r>
+          </a:p>
+          <a:p>
+            <a:r>
+              <a:rPr lang="tr-TR" dirty="0"/>
+              <a:t>Heater normal bir rezistans olabilir</a:t>
+            </a:r>
+          </a:p>
+          <a:p>
+            <a:r>
+              <a:rPr lang="tr-TR" dirty="0"/>
+              <a:t>Temperature Sensör NTC tarzı basit bir sıcaklık sensörü olabilir</a:t>
+            </a:r>
+          </a:p>
+        </p:txBody>
+      </p:sp>
+      <p:sp>
+        <p:nvSpPr>
+          <p:cNvPr id="4" name="Rectangle 3">
+            <a:extLst>
+              <a:ext uri="{FF2B5EF4-FFF2-40B4-BE49-F238E27FC236}">
+                <a16:creationId xmlns:a16="http://schemas.microsoft.com/office/drawing/2014/main" id="{62E4661F-98B3-961D-E676-C0DFA77F4B4F}"/>
+              </a:ext>
+            </a:extLst>
+          </p:cNvPr>
+          <p:cNvSpPr/>
+          <p:nvPr/>
+        </p:nvSpPr>
+        <p:spPr>
+          <a:xfrm>
+            <a:off x="4656000" y="4149000"/>
+            <a:ext cx="1440000" cy="1440000"/>
+          </a:xfrm>
+          <a:prstGeom prst="rect">
+            <a:avLst/>
+          </a:prstGeom>
+        </p:spPr>
+        <p:style>
+          <a:lnRef idx="2">
+            <a:schemeClr val="accent1">
+              <a:shade val="50000"/>
+            </a:schemeClr>
+          </a:lnRef>
+          <a:fillRef idx="1">
+            <a:schemeClr val="accent1"/>
+          </a:fillRef>
+          <a:effectRef idx="0">
+            <a:schemeClr val="accent1"/>
+          </a:effectRef>
+          <a:fontRef idx="minor">
+            <a:schemeClr val="lt1"/>
+          </a:fontRef>
+        </p:style>
+        <p:txBody>
+          <a:bodyPr rtlCol="0" anchor="ctr"/>
+          <a:lstStyle/>
+          <a:p>
+            <a:pPr algn="ctr"/>
+            <a:r>
+              <a:rPr lang="tr-TR" dirty="0"/>
+              <a:t>Plant</a:t>
+            </a:r>
+          </a:p>
+        </p:txBody>
+      </p:sp>
+      <p:sp>
+        <p:nvSpPr>
+          <p:cNvPr id="5" name="Rectangle 4">
+            <a:extLst>
+              <a:ext uri="{FF2B5EF4-FFF2-40B4-BE49-F238E27FC236}">
+                <a16:creationId xmlns:a16="http://schemas.microsoft.com/office/drawing/2014/main" id="{6E5C5A37-B37C-D75E-FDFB-5366C6623761}"/>
+              </a:ext>
+            </a:extLst>
+          </p:cNvPr>
+          <p:cNvSpPr/>
+          <p:nvPr/>
+        </p:nvSpPr>
+        <p:spPr>
+          <a:xfrm>
+            <a:off x="3817275" y="4329000"/>
+            <a:ext cx="1080000" cy="360000"/>
+          </a:xfrm>
+          <a:prstGeom prst="rect">
+            <a:avLst/>
+          </a:prstGeom>
+        </p:spPr>
+        <p:style>
+          <a:lnRef idx="2">
+            <a:schemeClr val="accent1">
+              <a:shade val="50000"/>
+            </a:schemeClr>
+          </a:lnRef>
+          <a:fillRef idx="1">
+            <a:schemeClr val="accent1"/>
+          </a:fillRef>
+          <a:effectRef idx="0">
+            <a:schemeClr val="accent1"/>
+          </a:effectRef>
+          <a:fontRef idx="minor">
+            <a:schemeClr val="lt1"/>
+          </a:fontRef>
+        </p:style>
+        <p:txBody>
+          <a:bodyPr rtlCol="0" anchor="ctr"/>
+          <a:lstStyle/>
+          <a:p>
+            <a:pPr algn="ctr"/>
+            <a:r>
+              <a:rPr lang="tr-TR" dirty="0"/>
+              <a:t>Heater</a:t>
+            </a:r>
+          </a:p>
+        </p:txBody>
+      </p:sp>
+      <p:sp>
+        <p:nvSpPr>
+          <p:cNvPr id="6" name="Rectangle 5">
+            <a:extLst>
+              <a:ext uri="{FF2B5EF4-FFF2-40B4-BE49-F238E27FC236}">
+                <a16:creationId xmlns:a16="http://schemas.microsoft.com/office/drawing/2014/main" id="{25941688-836A-38EE-21B3-0754302D15A9}"/>
+              </a:ext>
+            </a:extLst>
+          </p:cNvPr>
+          <p:cNvSpPr/>
+          <p:nvPr/>
+        </p:nvSpPr>
+        <p:spPr>
+          <a:xfrm>
+            <a:off x="5916000" y="5049000"/>
+            <a:ext cx="1080000" cy="360000"/>
+          </a:xfrm>
+          <a:prstGeom prst="rect">
+            <a:avLst/>
+          </a:prstGeom>
+        </p:spPr>
+        <p:style>
+          <a:lnRef idx="2">
+            <a:schemeClr val="accent1">
+              <a:shade val="50000"/>
+            </a:schemeClr>
+          </a:lnRef>
+          <a:fillRef idx="1">
+            <a:schemeClr val="accent1"/>
+          </a:fillRef>
+          <a:effectRef idx="0">
+            <a:schemeClr val="accent1"/>
+          </a:effectRef>
+          <a:fontRef idx="minor">
+            <a:schemeClr val="lt1"/>
+          </a:fontRef>
+        </p:style>
+        <p:txBody>
+          <a:bodyPr rtlCol="0" anchor="ctr"/>
+          <a:lstStyle/>
+          <a:p>
+            <a:pPr algn="ctr"/>
+            <a:r>
+              <a:rPr lang="tr-TR" dirty="0" err="1"/>
+              <a:t>Temp</a:t>
+            </a:r>
+            <a:r>
+              <a:rPr lang="tr-TR" dirty="0"/>
+              <a:t>. S.</a:t>
+            </a:r>
+          </a:p>
+        </p:txBody>
+      </p:sp>
+    </p:spTree>
+    <p:extLst>
+      <p:ext uri="{BB962C8B-B14F-4D97-AF65-F5344CB8AC3E}">
+        <p14:creationId xmlns:p14="http://schemas.microsoft.com/office/powerpoint/2010/main" val="2135667889"/>
+      </p:ext>
+    </p:extLst>
+  </p:cSld>
+  <p:clrMapOvr>
+    <a:masterClrMapping/>
+  </p:clrMapOvr>
+</p:sld>
+</file>
+
+<file path=ppt/slides/slide8.xml><?xml version="1.0" encoding="utf-8"?>
+<p:sld xmlns:a="http://schemas.openxmlformats.org/drawingml/2006/main" xmlns:r="http://schemas.openxmlformats.org/officeDocument/2006/relationships" xmlns:p="http://schemas.openxmlformats.org/presentationml/2006/main">
+  <p:cSld>
+    <p:spTree>
+      <p:nvGrpSpPr>
+        <p:cNvPr id="1" name=""/>
+        <p:cNvGrpSpPr/>
+        <p:nvPr/>
+      </p:nvGrpSpPr>
+      <p:grpSpPr>
+        <a:xfrm>
+          <a:off x="0" y="0"/>
+          <a:ext cx="0" cy="0"/>
+          <a:chOff x="0" y="0"/>
+          <a:chExt cx="0" cy="0"/>
+        </a:xfrm>
+      </p:grpSpPr>
+      <p:sp>
+        <p:nvSpPr>
+          <p:cNvPr id="2" name="Title 1">
+            <a:extLst>
+              <a:ext uri="{FF2B5EF4-FFF2-40B4-BE49-F238E27FC236}">
+                <a16:creationId xmlns:a16="http://schemas.microsoft.com/office/drawing/2014/main" id="{13ED3AA6-7204-0345-136D-49A934289E91}"/>
+              </a:ext>
+            </a:extLst>
+          </p:cNvPr>
+          <p:cNvSpPr>
+            <a:spLocks noGrp="1"/>
+          </p:cNvSpPr>
+          <p:nvPr>
+            <p:ph type="title"/>
+          </p:nvPr>
+        </p:nvSpPr>
+        <p:spPr/>
+        <p:txBody>
+          <a:bodyPr/>
+          <a:lstStyle/>
+          <a:p>
+            <a:r>
+              <a:rPr lang="tr-TR" dirty="0"/>
+              <a:t>Örnek Kontrol Sistemi</a:t>
+            </a:r>
+            <a:br>
+              <a:rPr lang="tr-TR" dirty="0"/>
+            </a:br>
+            <a:r>
+              <a:rPr lang="tr-TR" sz="2400" dirty="0"/>
+              <a:t>Sıcaklık Kontrolü-Kontrolcü</a:t>
+            </a:r>
+          </a:p>
+        </p:txBody>
+      </p:sp>
+      <p:sp>
+        <p:nvSpPr>
+          <p:cNvPr id="3" name="Content Placeholder 2">
+            <a:extLst>
+              <a:ext uri="{FF2B5EF4-FFF2-40B4-BE49-F238E27FC236}">
+                <a16:creationId xmlns:a16="http://schemas.microsoft.com/office/drawing/2014/main" id="{C01399F5-CD9B-00A7-891E-C25A7123DACF}"/>
+              </a:ext>
+            </a:extLst>
+          </p:cNvPr>
+          <p:cNvSpPr>
+            <a:spLocks noGrp="1"/>
+          </p:cNvSpPr>
+          <p:nvPr>
+            <p:ph idx="1"/>
+          </p:nvPr>
+        </p:nvSpPr>
+        <p:spPr/>
+        <p:txBody>
+          <a:bodyPr/>
+          <a:lstStyle/>
+          <a:p>
+            <a:r>
+              <a:rPr lang="tr-TR" dirty="0"/>
+              <a:t>Controller bir elektronik kart, sistem olabilir</a:t>
+            </a:r>
+          </a:p>
+          <a:p>
+            <a:r>
+              <a:rPr lang="tr-TR" dirty="0" err="1"/>
+              <a:t>Ref</a:t>
+            </a:r>
+            <a:r>
+              <a:rPr lang="tr-TR" dirty="0"/>
+              <a:t> kullanıcının ayarladığı sıcaklık noktasıdır</a:t>
+            </a:r>
+          </a:p>
+          <a:p>
+            <a:r>
+              <a:rPr lang="tr-TR" dirty="0" err="1"/>
+              <a:t>Temp</a:t>
+            </a:r>
+            <a:r>
+              <a:rPr lang="tr-TR" dirty="0"/>
+              <a:t>. S. Girişi mevcut ölçülen sıcaklık değeridir</a:t>
+            </a:r>
+          </a:p>
+          <a:p>
+            <a:r>
+              <a:rPr lang="tr-TR" dirty="0"/>
+              <a:t>Output ısıtıcının sürüldüğü aktüatörü tetikler. Bu yapı röle, MOSFET gibi bir güç sürücü olabilir.</a:t>
+            </a:r>
+          </a:p>
+        </p:txBody>
+      </p:sp>
+      <p:sp>
+        <p:nvSpPr>
+          <p:cNvPr id="4" name="Rectangle 3">
+            <a:extLst>
+              <a:ext uri="{FF2B5EF4-FFF2-40B4-BE49-F238E27FC236}">
+                <a16:creationId xmlns:a16="http://schemas.microsoft.com/office/drawing/2014/main" id="{62E4661F-98B3-961D-E676-C0DFA77F4B4F}"/>
+              </a:ext>
+            </a:extLst>
+          </p:cNvPr>
+          <p:cNvSpPr/>
+          <p:nvPr/>
+        </p:nvSpPr>
+        <p:spPr>
+          <a:xfrm>
+            <a:off x="4656000" y="4149000"/>
+            <a:ext cx="1440000" cy="1440000"/>
+          </a:xfrm>
+          <a:prstGeom prst="rect">
+            <a:avLst/>
+          </a:prstGeom>
+        </p:spPr>
+        <p:style>
+          <a:lnRef idx="2">
+            <a:schemeClr val="accent1">
+              <a:shade val="50000"/>
+            </a:schemeClr>
+          </a:lnRef>
+          <a:fillRef idx="1">
+            <a:schemeClr val="accent1"/>
+          </a:fillRef>
+          <a:effectRef idx="0">
+            <a:schemeClr val="accent1"/>
+          </a:effectRef>
+          <a:fontRef idx="minor">
+            <a:schemeClr val="lt1"/>
+          </a:fontRef>
+        </p:style>
+        <p:txBody>
+          <a:bodyPr rtlCol="0" anchor="ctr"/>
+          <a:lstStyle/>
+          <a:p>
+            <a:pPr algn="ctr"/>
+            <a:r>
+              <a:rPr lang="tr-TR" dirty="0"/>
+              <a:t>Controller</a:t>
+            </a:r>
+          </a:p>
+        </p:txBody>
+      </p:sp>
+      <p:sp>
+        <p:nvSpPr>
+          <p:cNvPr id="7" name="Rectangle 6">
+            <a:extLst>
+              <a:ext uri="{FF2B5EF4-FFF2-40B4-BE49-F238E27FC236}">
+                <a16:creationId xmlns:a16="http://schemas.microsoft.com/office/drawing/2014/main" id="{65FC5A22-36EE-ADD5-47A5-501DA799F0BA}"/>
+              </a:ext>
+            </a:extLst>
+          </p:cNvPr>
+          <p:cNvSpPr/>
+          <p:nvPr/>
+        </p:nvSpPr>
+        <p:spPr>
+          <a:xfrm>
+            <a:off x="3756000" y="4329000"/>
+            <a:ext cx="1080000" cy="360000"/>
+          </a:xfrm>
+          <a:prstGeom prst="rect">
+            <a:avLst/>
+          </a:prstGeom>
+        </p:spPr>
+        <p:style>
+          <a:lnRef idx="2">
+            <a:schemeClr val="accent1">
+              <a:shade val="50000"/>
+            </a:schemeClr>
+          </a:lnRef>
+          <a:fillRef idx="1">
+            <a:schemeClr val="accent1"/>
+          </a:fillRef>
+          <a:effectRef idx="0">
+            <a:schemeClr val="accent1"/>
+          </a:effectRef>
+          <a:fontRef idx="minor">
+            <a:schemeClr val="lt1"/>
+          </a:fontRef>
+        </p:style>
+        <p:txBody>
+          <a:bodyPr rtlCol="0" anchor="ctr"/>
+          <a:lstStyle/>
+          <a:p>
+            <a:pPr algn="ctr"/>
+            <a:r>
+              <a:rPr lang="tr-TR" dirty="0"/>
+              <a:t>ADC 1</a:t>
+            </a:r>
+          </a:p>
+        </p:txBody>
+      </p:sp>
+      <p:sp>
+        <p:nvSpPr>
+          <p:cNvPr id="8" name="Rectangle 7">
+            <a:extLst>
+              <a:ext uri="{FF2B5EF4-FFF2-40B4-BE49-F238E27FC236}">
+                <a16:creationId xmlns:a16="http://schemas.microsoft.com/office/drawing/2014/main" id="{5AE72B21-453A-6512-DB59-CAB8E2A756D9}"/>
+              </a:ext>
+            </a:extLst>
+          </p:cNvPr>
+          <p:cNvSpPr/>
+          <p:nvPr/>
+        </p:nvSpPr>
+        <p:spPr>
+          <a:xfrm>
+            <a:off x="3756000" y="5049000"/>
+            <a:ext cx="1080000" cy="360000"/>
+          </a:xfrm>
+          <a:prstGeom prst="rect">
+            <a:avLst/>
+          </a:prstGeom>
+        </p:spPr>
+        <p:style>
+          <a:lnRef idx="2">
+            <a:schemeClr val="accent1">
+              <a:shade val="50000"/>
+            </a:schemeClr>
+          </a:lnRef>
+          <a:fillRef idx="1">
+            <a:schemeClr val="accent1"/>
+          </a:fillRef>
+          <a:effectRef idx="0">
+            <a:schemeClr val="accent1"/>
+          </a:effectRef>
+          <a:fontRef idx="minor">
+            <a:schemeClr val="lt1"/>
+          </a:fontRef>
+        </p:style>
+        <p:txBody>
+          <a:bodyPr rtlCol="0" anchor="ctr"/>
+          <a:lstStyle/>
+          <a:p>
+            <a:pPr algn="ctr"/>
+            <a:r>
+              <a:rPr lang="tr-TR" dirty="0"/>
+              <a:t>ADC 2</a:t>
+            </a:r>
+          </a:p>
+        </p:txBody>
+      </p:sp>
+      <p:sp>
+        <p:nvSpPr>
+          <p:cNvPr id="9" name="Rectangle 8">
+            <a:extLst>
+              <a:ext uri="{FF2B5EF4-FFF2-40B4-BE49-F238E27FC236}">
+                <a16:creationId xmlns:a16="http://schemas.microsoft.com/office/drawing/2014/main" id="{5987DC44-466E-BA98-821F-697A64F657EA}"/>
+              </a:ext>
+            </a:extLst>
+          </p:cNvPr>
+          <p:cNvSpPr/>
+          <p:nvPr/>
+        </p:nvSpPr>
+        <p:spPr>
+          <a:xfrm>
+            <a:off x="5916000" y="4689000"/>
+            <a:ext cx="1080000" cy="360000"/>
+          </a:xfrm>
+          <a:prstGeom prst="rect">
+            <a:avLst/>
+          </a:prstGeom>
+        </p:spPr>
+        <p:style>
+          <a:lnRef idx="2">
+            <a:schemeClr val="accent1">
+              <a:shade val="50000"/>
+            </a:schemeClr>
+          </a:lnRef>
+          <a:fillRef idx="1">
+            <a:schemeClr val="accent1"/>
+          </a:fillRef>
+          <a:effectRef idx="0">
+            <a:schemeClr val="accent1"/>
+          </a:effectRef>
+          <a:fontRef idx="minor">
+            <a:schemeClr val="lt1"/>
+          </a:fontRef>
+        </p:style>
+        <p:txBody>
+          <a:bodyPr rtlCol="0" anchor="ctr"/>
+          <a:lstStyle/>
+          <a:p>
+            <a:pPr algn="ctr"/>
+            <a:r>
+              <a:rPr lang="tr-TR" dirty="0"/>
+              <a:t>IO 1</a:t>
+            </a:r>
+          </a:p>
+        </p:txBody>
+      </p:sp>
+      <p:sp>
+        <p:nvSpPr>
+          <p:cNvPr id="10" name="TextBox 9">
+            <a:extLst>
+              <a:ext uri="{FF2B5EF4-FFF2-40B4-BE49-F238E27FC236}">
+                <a16:creationId xmlns:a16="http://schemas.microsoft.com/office/drawing/2014/main" id="{964CB09D-320B-8D2B-9727-362634E51A29}"/>
+              </a:ext>
+            </a:extLst>
+          </p:cNvPr>
+          <p:cNvSpPr txBox="1"/>
+          <p:nvPr/>
+        </p:nvSpPr>
+        <p:spPr>
+          <a:xfrm>
+            <a:off x="2496000" y="4329000"/>
+            <a:ext cx="720000" cy="369332"/>
+          </a:xfrm>
+          <a:prstGeom prst="rect">
+            <a:avLst/>
+          </a:prstGeom>
+          <a:noFill/>
+        </p:spPr>
+        <p:txBody>
+          <a:bodyPr wrap="square" rtlCol="0">
+            <a:spAutoFit/>
+          </a:bodyPr>
+          <a:lstStyle/>
+          <a:p>
+            <a:r>
+              <a:rPr lang="tr-TR" dirty="0" err="1"/>
+              <a:t>Ref</a:t>
+            </a:r>
+            <a:endParaRPr lang="tr-TR" dirty="0"/>
+          </a:p>
+        </p:txBody>
+      </p:sp>
+      <p:sp>
+        <p:nvSpPr>
+          <p:cNvPr id="11" name="TextBox 10">
+            <a:extLst>
+              <a:ext uri="{FF2B5EF4-FFF2-40B4-BE49-F238E27FC236}">
+                <a16:creationId xmlns:a16="http://schemas.microsoft.com/office/drawing/2014/main" id="{101745E0-EF97-9928-4912-1D624DE9337E}"/>
+              </a:ext>
+            </a:extLst>
+          </p:cNvPr>
+          <p:cNvSpPr txBox="1"/>
+          <p:nvPr/>
+        </p:nvSpPr>
+        <p:spPr>
+          <a:xfrm>
+            <a:off x="2496000" y="5039668"/>
+            <a:ext cx="1080000" cy="369332"/>
+          </a:xfrm>
+          <a:prstGeom prst="rect">
+            <a:avLst/>
+          </a:prstGeom>
+          <a:noFill/>
+        </p:spPr>
+        <p:txBody>
+          <a:bodyPr wrap="square" rtlCol="0">
+            <a:spAutoFit/>
+          </a:bodyPr>
+          <a:lstStyle/>
+          <a:p>
+            <a:r>
+              <a:rPr lang="tr-TR" dirty="0" err="1"/>
+              <a:t>Temp</a:t>
+            </a:r>
+            <a:r>
+              <a:rPr lang="tr-TR" dirty="0"/>
+              <a:t>. S.</a:t>
+            </a:r>
+          </a:p>
+        </p:txBody>
+      </p:sp>
+      <p:cxnSp>
+        <p:nvCxnSpPr>
+          <p:cNvPr id="13" name="Straight Arrow Connector 12">
+            <a:extLst>
+              <a:ext uri="{FF2B5EF4-FFF2-40B4-BE49-F238E27FC236}">
+                <a16:creationId xmlns:a16="http://schemas.microsoft.com/office/drawing/2014/main" id="{6A9D6795-DD46-CAEA-5B1A-0F02B05A88AB}"/>
+              </a:ext>
+            </a:extLst>
+          </p:cNvPr>
+          <p:cNvCxnSpPr>
+            <a:stCxn id="10" idx="3"/>
+            <a:endCxn id="7" idx="1"/>
+          </p:cNvCxnSpPr>
+          <p:nvPr/>
+        </p:nvCxnSpPr>
+        <p:spPr>
+          <a:xfrm flipV="1">
+            <a:off x="3216000" y="4509000"/>
+            <a:ext cx="540000" cy="4666"/>
+          </a:xfrm>
+          <a:prstGeom prst="straightConnector1">
+            <a:avLst/>
+          </a:prstGeom>
+          <a:ln w="38100">
+            <a:tailEnd type="triangle"/>
+          </a:ln>
+        </p:spPr>
+        <p:style>
+          <a:lnRef idx="1">
+            <a:schemeClr val="accent1"/>
+          </a:lnRef>
+          <a:fillRef idx="0">
+            <a:schemeClr val="accent1"/>
+          </a:fillRef>
+          <a:effectRef idx="0">
+            <a:schemeClr val="accent1"/>
+          </a:effectRef>
+          <a:fontRef idx="minor">
+            <a:schemeClr val="tx1"/>
+          </a:fontRef>
+        </p:style>
+      </p:cxnSp>
+      <p:cxnSp>
+        <p:nvCxnSpPr>
+          <p:cNvPr id="15" name="Straight Arrow Connector 14">
+            <a:extLst>
+              <a:ext uri="{FF2B5EF4-FFF2-40B4-BE49-F238E27FC236}">
+                <a16:creationId xmlns:a16="http://schemas.microsoft.com/office/drawing/2014/main" id="{C6E1465A-CC07-CA93-FE5F-EABFF146D57F}"/>
+              </a:ext>
+            </a:extLst>
+          </p:cNvPr>
+          <p:cNvCxnSpPr>
+            <a:stCxn id="11" idx="3"/>
+            <a:endCxn id="8" idx="1"/>
+          </p:cNvCxnSpPr>
+          <p:nvPr/>
+        </p:nvCxnSpPr>
+        <p:spPr>
+          <a:xfrm>
+            <a:off x="3576000" y="5224334"/>
+            <a:ext cx="180000" cy="4666"/>
+          </a:xfrm>
+          <a:prstGeom prst="straightConnector1">
+            <a:avLst/>
+          </a:prstGeom>
+          <a:ln w="38100">
+            <a:tailEnd type="triangle"/>
+          </a:ln>
+        </p:spPr>
+        <p:style>
+          <a:lnRef idx="1">
+            <a:schemeClr val="accent1"/>
+          </a:lnRef>
+          <a:fillRef idx="0">
+            <a:schemeClr val="accent1"/>
+          </a:fillRef>
+          <a:effectRef idx="0">
+            <a:schemeClr val="accent1"/>
+          </a:effectRef>
+          <a:fontRef idx="minor">
+            <a:schemeClr val="tx1"/>
+          </a:fontRef>
+        </p:style>
+      </p:cxnSp>
+      <p:sp>
+        <p:nvSpPr>
+          <p:cNvPr id="16" name="Rectangle 15">
+            <a:extLst>
+              <a:ext uri="{FF2B5EF4-FFF2-40B4-BE49-F238E27FC236}">
+                <a16:creationId xmlns:a16="http://schemas.microsoft.com/office/drawing/2014/main" id="{DF459549-2A60-B7D7-11F4-7836D933D8F1}"/>
+              </a:ext>
+            </a:extLst>
+          </p:cNvPr>
+          <p:cNvSpPr/>
+          <p:nvPr/>
+        </p:nvSpPr>
+        <p:spPr>
+          <a:xfrm>
+            <a:off x="7536000" y="4689000"/>
+            <a:ext cx="1080000" cy="360000"/>
+          </a:xfrm>
+          <a:prstGeom prst="rect">
+            <a:avLst/>
+          </a:prstGeom>
+        </p:spPr>
+        <p:style>
+          <a:lnRef idx="2">
+            <a:schemeClr val="accent1">
+              <a:shade val="50000"/>
+            </a:schemeClr>
+          </a:lnRef>
+          <a:fillRef idx="1">
+            <a:schemeClr val="accent1"/>
+          </a:fillRef>
+          <a:effectRef idx="0">
+            <a:schemeClr val="accent1"/>
+          </a:effectRef>
+          <a:fontRef idx="minor">
+            <a:schemeClr val="lt1"/>
+          </a:fontRef>
+        </p:style>
+        <p:txBody>
+          <a:bodyPr rtlCol="0" anchor="ctr"/>
+          <a:lstStyle/>
+          <a:p>
+            <a:pPr algn="ctr"/>
+            <a:r>
+              <a:rPr lang="tr-TR" dirty="0" err="1"/>
+              <a:t>Actuator</a:t>
+            </a:r>
+            <a:endParaRPr lang="tr-TR" dirty="0"/>
+          </a:p>
+        </p:txBody>
+      </p:sp>
+      <p:cxnSp>
+        <p:nvCxnSpPr>
+          <p:cNvPr id="18" name="Straight Arrow Connector 17">
+            <a:extLst>
+              <a:ext uri="{FF2B5EF4-FFF2-40B4-BE49-F238E27FC236}">
+                <a16:creationId xmlns:a16="http://schemas.microsoft.com/office/drawing/2014/main" id="{8D0FBCFD-D6BC-6DC1-E6A3-60B6A8278C7D}"/>
+              </a:ext>
+            </a:extLst>
+          </p:cNvPr>
+          <p:cNvCxnSpPr>
+            <a:stCxn id="9" idx="3"/>
+            <a:endCxn id="16" idx="1"/>
+          </p:cNvCxnSpPr>
+          <p:nvPr/>
+        </p:nvCxnSpPr>
+        <p:spPr>
+          <a:xfrm>
+            <a:off x="6996000" y="4869000"/>
+            <a:ext cx="540000" cy="0"/>
+          </a:xfrm>
+          <a:prstGeom prst="straightConnector1">
+            <a:avLst/>
+          </a:prstGeom>
+          <a:ln w="38100">
+            <a:tailEnd type="triangle"/>
+          </a:ln>
+        </p:spPr>
+        <p:style>
+          <a:lnRef idx="1">
+            <a:schemeClr val="accent1"/>
+          </a:lnRef>
+          <a:fillRef idx="0">
+            <a:schemeClr val="accent1"/>
+          </a:fillRef>
+          <a:effectRef idx="0">
+            <a:schemeClr val="accent1"/>
+          </a:effectRef>
+          <a:fontRef idx="minor">
+            <a:schemeClr val="tx1"/>
+          </a:fontRef>
+        </p:style>
+      </p:cxnSp>
+      <p:sp>
+        <p:nvSpPr>
+          <p:cNvPr id="19" name="TextBox 18">
+            <a:extLst>
+              <a:ext uri="{FF2B5EF4-FFF2-40B4-BE49-F238E27FC236}">
+                <a16:creationId xmlns:a16="http://schemas.microsoft.com/office/drawing/2014/main" id="{5E327494-15E7-C198-B347-17ED79D494A4}"/>
+              </a:ext>
+            </a:extLst>
+          </p:cNvPr>
+          <p:cNvSpPr txBox="1"/>
+          <p:nvPr/>
+        </p:nvSpPr>
+        <p:spPr>
+          <a:xfrm>
+            <a:off x="9156000" y="4679668"/>
+            <a:ext cx="1018002" cy="369332"/>
+          </a:xfrm>
+          <a:prstGeom prst="rect">
+            <a:avLst/>
+          </a:prstGeom>
+          <a:noFill/>
+        </p:spPr>
+        <p:txBody>
+          <a:bodyPr wrap="square" rtlCol="0">
+            <a:spAutoFit/>
+          </a:bodyPr>
+          <a:lstStyle/>
+          <a:p>
+            <a:r>
+              <a:rPr lang="tr-TR" dirty="0"/>
+              <a:t>Output</a:t>
+            </a:r>
+          </a:p>
+        </p:txBody>
+      </p:sp>
+      <p:cxnSp>
+        <p:nvCxnSpPr>
+          <p:cNvPr id="21" name="Straight Arrow Connector 20">
+            <a:extLst>
+              <a:ext uri="{FF2B5EF4-FFF2-40B4-BE49-F238E27FC236}">
+                <a16:creationId xmlns:a16="http://schemas.microsoft.com/office/drawing/2014/main" id="{F3B8AB56-8648-4645-DE47-119A449866C6}"/>
+              </a:ext>
+            </a:extLst>
+          </p:cNvPr>
+          <p:cNvCxnSpPr>
+            <a:stCxn id="16" idx="3"/>
+            <a:endCxn id="19" idx="1"/>
+          </p:cNvCxnSpPr>
+          <p:nvPr/>
+        </p:nvCxnSpPr>
+        <p:spPr>
+          <a:xfrm flipV="1">
+            <a:off x="8616000" y="4864334"/>
+            <a:ext cx="540000" cy="4666"/>
+          </a:xfrm>
+          <a:prstGeom prst="straightConnector1">
+            <a:avLst/>
+          </a:prstGeom>
+          <a:ln w="38100">
+            <a:tailEnd type="triangle"/>
+          </a:ln>
+        </p:spPr>
+        <p:style>
+          <a:lnRef idx="1">
+            <a:schemeClr val="accent1"/>
+          </a:lnRef>
+          <a:fillRef idx="0">
+            <a:schemeClr val="accent1"/>
+          </a:fillRef>
+          <a:effectRef idx="0">
+            <a:schemeClr val="accent1"/>
+          </a:effectRef>
+          <a:fontRef idx="minor">
+            <a:schemeClr val="tx1"/>
+          </a:fontRef>
+        </p:style>
+      </p:cxnSp>
+    </p:spTree>
+    <p:extLst>
+      <p:ext uri="{BB962C8B-B14F-4D97-AF65-F5344CB8AC3E}">
+        <p14:creationId xmlns:p14="http://schemas.microsoft.com/office/powerpoint/2010/main" val="3728332984"/>
+      </p:ext>
+    </p:extLst>
+  </p:cSld>
+  <p:clrMapOvr>
+    <a:masterClrMapping/>
+  </p:clrMapOvr>
+</p:sld>
+</file>
+
+<file path=ppt/slides/slide9.xml><?xml version="1.0" encoding="utf-8"?>
+<p:sld xmlns:a="http://schemas.openxmlformats.org/drawingml/2006/main" xmlns:r="http://schemas.openxmlformats.org/officeDocument/2006/relationships" xmlns:p="http://schemas.openxmlformats.org/presentationml/2006/main">
+  <p:cSld>
+    <p:spTree>
+      <p:nvGrpSpPr>
+        <p:cNvPr id="1" name=""/>
+        <p:cNvGrpSpPr/>
+        <p:nvPr/>
+      </p:nvGrpSpPr>
+      <p:grpSpPr>
+        <a:xfrm>
+          <a:off x="0" y="0"/>
+          <a:ext cx="0" cy="0"/>
+          <a:chOff x="0" y="0"/>
+          <a:chExt cx="0" cy="0"/>
+        </a:xfrm>
+      </p:grpSpPr>
+      <p:sp>
+        <p:nvSpPr>
+          <p:cNvPr id="2" name="Title 1">
+            <a:extLst>
+              <a:ext uri="{FF2B5EF4-FFF2-40B4-BE49-F238E27FC236}">
+                <a16:creationId xmlns:a16="http://schemas.microsoft.com/office/drawing/2014/main" id="{13ED3AA6-7204-0345-136D-49A934289E91}"/>
+              </a:ext>
+            </a:extLst>
+          </p:cNvPr>
+          <p:cNvSpPr>
+            <a:spLocks noGrp="1"/>
+          </p:cNvSpPr>
+          <p:nvPr>
+            <p:ph type="title"/>
+          </p:nvPr>
+        </p:nvSpPr>
+        <p:spPr/>
+        <p:txBody>
+          <a:bodyPr/>
+          <a:lstStyle/>
+          <a:p>
+            <a:r>
+              <a:rPr lang="tr-TR" dirty="0"/>
+              <a:t>Örnek Kontrol Sistemi</a:t>
+            </a:r>
+            <a:br>
+              <a:rPr lang="tr-TR" dirty="0"/>
+            </a:br>
+            <a:r>
+              <a:rPr lang="tr-TR" sz="2400" dirty="0"/>
+              <a:t>Sıcaklık Kontrolü-İşlemci</a:t>
+            </a:r>
+          </a:p>
+        </p:txBody>
+      </p:sp>
+      <p:sp>
+        <p:nvSpPr>
+          <p:cNvPr id="3" name="Content Placeholder 2">
+            <a:extLst>
+              <a:ext uri="{FF2B5EF4-FFF2-40B4-BE49-F238E27FC236}">
+                <a16:creationId xmlns:a16="http://schemas.microsoft.com/office/drawing/2014/main" id="{C01399F5-CD9B-00A7-891E-C25A7123DACF}"/>
+              </a:ext>
+            </a:extLst>
+          </p:cNvPr>
+          <p:cNvSpPr>
+            <a:spLocks noGrp="1"/>
+          </p:cNvSpPr>
+          <p:nvPr>
+            <p:ph idx="1"/>
+          </p:nvPr>
+        </p:nvSpPr>
+        <p:spPr/>
+        <p:txBody>
+          <a:bodyPr/>
+          <a:lstStyle/>
+          <a:p>
+            <a:r>
+              <a:rPr lang="tr-TR" dirty="0"/>
+              <a:t>Kontrol algoritması ve kontrol sinyali sisteme göre değişkenlik gösterebilir</a:t>
+            </a:r>
+          </a:p>
+          <a:p>
+            <a:r>
+              <a:rPr lang="tr-TR" dirty="0"/>
+              <a:t>Kontrolcü bulanık, aç/kapa veya PID kontrolcü vs. olabilir</a:t>
+            </a:r>
+          </a:p>
+          <a:p>
+            <a:r>
+              <a:rPr lang="tr-TR" dirty="0"/>
+              <a:t>Kontrol sinyali PWM, analog veya dijital değer olabilir</a:t>
+            </a:r>
+          </a:p>
+        </p:txBody>
+      </p:sp>
+      <p:sp>
+        <p:nvSpPr>
+          <p:cNvPr id="5" name="TextBox 4">
+            <a:extLst>
+              <a:ext uri="{FF2B5EF4-FFF2-40B4-BE49-F238E27FC236}">
+                <a16:creationId xmlns:a16="http://schemas.microsoft.com/office/drawing/2014/main" id="{DDBA18A0-A20B-9E1D-4612-BB527E77091D}"/>
+              </a:ext>
+            </a:extLst>
+          </p:cNvPr>
+          <p:cNvSpPr txBox="1"/>
+          <p:nvPr/>
+        </p:nvSpPr>
+        <p:spPr>
+          <a:xfrm>
+            <a:off x="1776000" y="4329000"/>
+            <a:ext cx="720000" cy="369332"/>
+          </a:xfrm>
+          <a:prstGeom prst="rect">
+            <a:avLst/>
+          </a:prstGeom>
+          <a:noFill/>
+        </p:spPr>
+        <p:txBody>
+          <a:bodyPr wrap="square" rtlCol="0">
+            <a:spAutoFit/>
+          </a:bodyPr>
+          <a:lstStyle/>
+          <a:p>
+            <a:r>
+              <a:rPr lang="tr-TR" dirty="0" err="1"/>
+              <a:t>Ref</a:t>
+            </a:r>
+            <a:endParaRPr lang="tr-TR" dirty="0"/>
+          </a:p>
+        </p:txBody>
+      </p:sp>
+      <p:sp>
+        <p:nvSpPr>
+          <p:cNvPr id="17" name="TextBox 16">
+            <a:extLst>
+              <a:ext uri="{FF2B5EF4-FFF2-40B4-BE49-F238E27FC236}">
+                <a16:creationId xmlns:a16="http://schemas.microsoft.com/office/drawing/2014/main" id="{3E4AEC76-DFDE-9036-BA1F-3C83488FDF28}"/>
+              </a:ext>
+            </a:extLst>
+          </p:cNvPr>
+          <p:cNvSpPr txBox="1"/>
+          <p:nvPr/>
+        </p:nvSpPr>
+        <p:spPr>
+          <a:xfrm>
+            <a:off x="1776000" y="5039668"/>
+            <a:ext cx="1080000" cy="369332"/>
+          </a:xfrm>
+          <a:prstGeom prst="rect">
+            <a:avLst/>
+          </a:prstGeom>
+          <a:noFill/>
+        </p:spPr>
+        <p:txBody>
+          <a:bodyPr wrap="square" rtlCol="0">
+            <a:spAutoFit/>
+          </a:bodyPr>
+          <a:lstStyle/>
+          <a:p>
+            <a:r>
+              <a:rPr lang="tr-TR" dirty="0" err="1"/>
+              <a:t>Temp</a:t>
+            </a:r>
+            <a:r>
+              <a:rPr lang="tr-TR" dirty="0"/>
+              <a:t>. S.</a:t>
+            </a:r>
+          </a:p>
+        </p:txBody>
+      </p:sp>
+      <p:sp>
+        <p:nvSpPr>
+          <p:cNvPr id="6" name="Oval 5">
+            <a:extLst>
+              <a:ext uri="{FF2B5EF4-FFF2-40B4-BE49-F238E27FC236}">
+                <a16:creationId xmlns:a16="http://schemas.microsoft.com/office/drawing/2014/main" id="{6EDC15EB-0606-208C-8B31-8FC5C39905B4}"/>
+              </a:ext>
+            </a:extLst>
+          </p:cNvPr>
+          <p:cNvSpPr/>
+          <p:nvPr/>
+        </p:nvSpPr>
+        <p:spPr>
+          <a:xfrm>
+            <a:off x="3576000" y="4329001"/>
+            <a:ext cx="360000" cy="369331"/>
+          </a:xfrm>
+          <a:prstGeom prst="ellipse">
+            <a:avLst/>
+          </a:prstGeom>
+        </p:spPr>
+        <p:style>
+          <a:lnRef idx="2">
+            <a:schemeClr val="accent1">
+              <a:shade val="50000"/>
+            </a:schemeClr>
+          </a:lnRef>
+          <a:fillRef idx="1">
+            <a:schemeClr val="accent1"/>
+          </a:fillRef>
+          <a:effectRef idx="0">
+            <a:schemeClr val="accent1"/>
+          </a:effectRef>
+          <a:fontRef idx="minor">
+            <a:schemeClr val="lt1"/>
+          </a:fontRef>
+        </p:style>
+        <p:txBody>
+          <a:bodyPr rtlCol="0" anchor="ctr"/>
+          <a:lstStyle/>
+          <a:p>
+            <a:pPr algn="ctr"/>
+            <a:r>
+              <a:rPr lang="tr-TR" dirty="0"/>
+              <a:t>+</a:t>
+            </a:r>
+          </a:p>
+        </p:txBody>
+      </p:sp>
+      <p:cxnSp>
+        <p:nvCxnSpPr>
+          <p:cNvPr id="23" name="Straight Arrow Connector 22">
+            <a:extLst>
+              <a:ext uri="{FF2B5EF4-FFF2-40B4-BE49-F238E27FC236}">
+                <a16:creationId xmlns:a16="http://schemas.microsoft.com/office/drawing/2014/main" id="{8F70875D-ED90-1D73-23CC-9BB69B3717EB}"/>
+              </a:ext>
+            </a:extLst>
+          </p:cNvPr>
+          <p:cNvCxnSpPr>
+            <a:stCxn id="5" idx="3"/>
+            <a:endCxn id="6" idx="2"/>
+          </p:cNvCxnSpPr>
+          <p:nvPr/>
+        </p:nvCxnSpPr>
+        <p:spPr>
+          <a:xfrm>
+            <a:off x="2496000" y="4513666"/>
+            <a:ext cx="1080000" cy="1"/>
+          </a:xfrm>
+          <a:prstGeom prst="straightConnector1">
+            <a:avLst/>
+          </a:prstGeom>
+          <a:ln w="38100">
+            <a:tailEnd type="triangle"/>
+          </a:ln>
+        </p:spPr>
+        <p:style>
+          <a:lnRef idx="1">
+            <a:schemeClr val="accent1"/>
+          </a:lnRef>
+          <a:fillRef idx="0">
+            <a:schemeClr val="accent1"/>
+          </a:fillRef>
+          <a:effectRef idx="0">
+            <a:schemeClr val="accent1"/>
+          </a:effectRef>
+          <a:fontRef idx="minor">
+            <a:schemeClr val="tx1"/>
+          </a:fontRef>
+        </p:style>
+      </p:cxnSp>
+      <p:cxnSp>
+        <p:nvCxnSpPr>
+          <p:cNvPr id="25" name="Straight Arrow Connector 24">
+            <a:extLst>
+              <a:ext uri="{FF2B5EF4-FFF2-40B4-BE49-F238E27FC236}">
+                <a16:creationId xmlns:a16="http://schemas.microsoft.com/office/drawing/2014/main" id="{6B8F7E38-09BE-3A9B-FC75-DD35CFF55AF3}"/>
+              </a:ext>
+            </a:extLst>
+          </p:cNvPr>
+          <p:cNvCxnSpPr>
+            <a:stCxn id="17" idx="3"/>
+            <a:endCxn id="6" idx="3"/>
+          </p:cNvCxnSpPr>
+          <p:nvPr/>
+        </p:nvCxnSpPr>
+        <p:spPr>
+          <a:xfrm flipV="1">
+            <a:off x="2856000" y="4644245"/>
+            <a:ext cx="772721" cy="580089"/>
+          </a:xfrm>
+          <a:prstGeom prst="straightConnector1">
+            <a:avLst/>
+          </a:prstGeom>
+          <a:ln w="38100">
+            <a:tailEnd type="triangle"/>
+          </a:ln>
+        </p:spPr>
+        <p:style>
+          <a:lnRef idx="1">
+            <a:schemeClr val="accent1"/>
+          </a:lnRef>
+          <a:fillRef idx="0">
+            <a:schemeClr val="accent1"/>
+          </a:fillRef>
+          <a:effectRef idx="0">
+            <a:schemeClr val="accent1"/>
+          </a:effectRef>
+          <a:fontRef idx="minor">
+            <a:schemeClr val="tx1"/>
+          </a:fontRef>
+        </p:style>
+      </p:cxnSp>
+      <p:sp>
+        <p:nvSpPr>
+          <p:cNvPr id="26" name="Rectangle 25">
+            <a:extLst>
+              <a:ext uri="{FF2B5EF4-FFF2-40B4-BE49-F238E27FC236}">
+                <a16:creationId xmlns:a16="http://schemas.microsoft.com/office/drawing/2014/main" id="{E21A0911-F87C-8A77-6091-0A4B4189A23D}"/>
+              </a:ext>
+            </a:extLst>
+          </p:cNvPr>
+          <p:cNvSpPr/>
+          <p:nvPr/>
+        </p:nvSpPr>
+        <p:spPr>
+          <a:xfrm>
+            <a:off x="4656000" y="4149000"/>
+            <a:ext cx="1260000" cy="710668"/>
+          </a:xfrm>
+          <a:prstGeom prst="rect">
+            <a:avLst/>
+          </a:prstGeom>
+        </p:spPr>
+        <p:style>
+          <a:lnRef idx="2">
+            <a:schemeClr val="accent1">
+              <a:shade val="50000"/>
+            </a:schemeClr>
+          </a:lnRef>
+          <a:fillRef idx="1">
+            <a:schemeClr val="accent1"/>
+          </a:fillRef>
+          <a:effectRef idx="0">
+            <a:schemeClr val="accent1"/>
+          </a:effectRef>
+          <a:fontRef idx="minor">
+            <a:schemeClr val="lt1"/>
+          </a:fontRef>
+        </p:style>
+        <p:txBody>
+          <a:bodyPr rtlCol="0" anchor="ctr"/>
+          <a:lstStyle/>
+          <a:p>
+            <a:pPr algn="ctr"/>
+            <a:r>
+              <a:rPr lang="tr-TR" dirty="0"/>
+              <a:t>Control </a:t>
+            </a:r>
+            <a:r>
+              <a:rPr lang="tr-TR" dirty="0" err="1"/>
+              <a:t>Algorithm</a:t>
+            </a:r>
+            <a:endParaRPr lang="tr-TR" dirty="0"/>
+          </a:p>
+        </p:txBody>
+      </p:sp>
+      <p:cxnSp>
+        <p:nvCxnSpPr>
+          <p:cNvPr id="28" name="Straight Arrow Connector 27">
+            <a:extLst>
+              <a:ext uri="{FF2B5EF4-FFF2-40B4-BE49-F238E27FC236}">
+                <a16:creationId xmlns:a16="http://schemas.microsoft.com/office/drawing/2014/main" id="{DFD7D2FA-30B2-8B9D-BE6D-A8C39A0D2C20}"/>
+              </a:ext>
+            </a:extLst>
+          </p:cNvPr>
+          <p:cNvCxnSpPr>
+            <a:stCxn id="6" idx="6"/>
+            <a:endCxn id="26" idx="1"/>
+          </p:cNvCxnSpPr>
+          <p:nvPr/>
+        </p:nvCxnSpPr>
+        <p:spPr>
+          <a:xfrm flipV="1">
+            <a:off x="3936000" y="4504334"/>
+            <a:ext cx="720000" cy="9333"/>
+          </a:xfrm>
+          <a:prstGeom prst="straightConnector1">
+            <a:avLst/>
+          </a:prstGeom>
+          <a:ln w="38100">
+            <a:tailEnd type="triangle"/>
+          </a:ln>
+        </p:spPr>
+        <p:style>
+          <a:lnRef idx="1">
+            <a:schemeClr val="accent1"/>
+          </a:lnRef>
+          <a:fillRef idx="0">
+            <a:schemeClr val="accent1"/>
+          </a:fillRef>
+          <a:effectRef idx="0">
+            <a:schemeClr val="accent1"/>
+          </a:effectRef>
+          <a:fontRef idx="minor">
+            <a:schemeClr val="tx1"/>
+          </a:fontRef>
+        </p:style>
+      </p:cxnSp>
+      <p:sp>
+        <p:nvSpPr>
+          <p:cNvPr id="29" name="TextBox 28">
+            <a:extLst>
+              <a:ext uri="{FF2B5EF4-FFF2-40B4-BE49-F238E27FC236}">
+                <a16:creationId xmlns:a16="http://schemas.microsoft.com/office/drawing/2014/main" id="{6BD4269B-03EC-7712-2309-50239D1EF03D}"/>
+              </a:ext>
+            </a:extLst>
+          </p:cNvPr>
+          <p:cNvSpPr txBox="1"/>
+          <p:nvPr/>
+        </p:nvSpPr>
+        <p:spPr>
+          <a:xfrm>
+            <a:off x="6816000" y="4149000"/>
+            <a:ext cx="1440000" cy="646331"/>
+          </a:xfrm>
+          <a:prstGeom prst="rect">
+            <a:avLst/>
+          </a:prstGeom>
+          <a:noFill/>
+        </p:spPr>
+        <p:txBody>
+          <a:bodyPr wrap="square" rtlCol="0">
+            <a:spAutoFit/>
+          </a:bodyPr>
+          <a:lstStyle/>
+          <a:p>
+            <a:r>
+              <a:rPr lang="tr-TR" dirty="0"/>
+              <a:t>Control Signal</a:t>
+            </a:r>
+          </a:p>
+        </p:txBody>
+      </p:sp>
+      <p:cxnSp>
+        <p:nvCxnSpPr>
+          <p:cNvPr id="33" name="Straight Arrow Connector 32">
+            <a:extLst>
+              <a:ext uri="{FF2B5EF4-FFF2-40B4-BE49-F238E27FC236}">
+                <a16:creationId xmlns:a16="http://schemas.microsoft.com/office/drawing/2014/main" id="{2B163DDE-8886-D13B-8DF6-EFD7D9C4EB3A}"/>
+              </a:ext>
+            </a:extLst>
+          </p:cNvPr>
+          <p:cNvCxnSpPr>
+            <a:stCxn id="26" idx="3"/>
+          </p:cNvCxnSpPr>
+          <p:nvPr/>
+        </p:nvCxnSpPr>
+        <p:spPr>
+          <a:xfrm>
+            <a:off x="5916000" y="4504334"/>
+            <a:ext cx="900000" cy="0"/>
+          </a:xfrm>
+          <a:prstGeom prst="straightConnector1">
+            <a:avLst/>
+          </a:prstGeom>
+          <a:ln w="38100">
+            <a:solidFill>
+              <a:schemeClr val="accent1"/>
+            </a:solidFill>
+            <a:tailEnd type="triangle"/>
+          </a:ln>
+        </p:spPr>
+        <p:style>
+          <a:lnRef idx="1">
+            <a:schemeClr val="accent1"/>
+          </a:lnRef>
+          <a:fillRef idx="0">
+            <a:schemeClr val="accent1"/>
+          </a:fillRef>
+          <a:effectRef idx="0">
+            <a:schemeClr val="accent1"/>
+          </a:effectRef>
+          <a:fontRef idx="minor">
+            <a:schemeClr val="tx1"/>
+          </a:fontRef>
+        </p:style>
+      </p:cxnSp>
+    </p:spTree>
+    <p:extLst>
+      <p:ext uri="{BB962C8B-B14F-4D97-AF65-F5344CB8AC3E}">
+        <p14:creationId xmlns:p14="http://schemas.microsoft.com/office/powerpoint/2010/main" val="4015314516"/>
       </p:ext>
     </p:extLst>
   </p:cSld>

--- a/docs/Sunumlar/PIDKontrolcu.pptx
+++ b/docs/Sunumlar/PIDKontrolcu.pptx
@@ -15,9 +15,11 @@
     <p:sldId id="264" r:id="rId9"/>
     <p:sldId id="265" r:id="rId10"/>
     <p:sldId id="258" r:id="rId11"/>
-    <p:sldId id="266" r:id="rId12"/>
-    <p:sldId id="268" r:id="rId13"/>
-    <p:sldId id="269" r:id="rId14"/>
+    <p:sldId id="270" r:id="rId12"/>
+    <p:sldId id="271" r:id="rId13"/>
+    <p:sldId id="266" r:id="rId14"/>
+    <p:sldId id="268" r:id="rId15"/>
+    <p:sldId id="269" r:id="rId16"/>
   </p:sldIdLst>
   <p:sldSz cx="12192000" cy="6858000"/>
   <p:notesSz cx="6858000" cy="9144000"/>
@@ -6542,6 +6544,485 @@
           <p:cNvPr id="2" name="Title 1">
             <a:extLst>
               <a:ext uri="{FF2B5EF4-FFF2-40B4-BE49-F238E27FC236}">
+                <a16:creationId xmlns:a16="http://schemas.microsoft.com/office/drawing/2014/main" id="{BF7BC34D-24D1-E52F-4821-B78FCA66C923}"/>
+              </a:ext>
+            </a:extLst>
+          </p:cNvPr>
+          <p:cNvSpPr>
+            <a:spLocks noGrp="1"/>
+          </p:cNvSpPr>
+          <p:nvPr>
+            <p:ph type="title"/>
+          </p:nvPr>
+        </p:nvSpPr>
+        <p:spPr/>
+        <p:txBody>
+          <a:bodyPr/>
+          <a:lstStyle/>
+          <a:p>
+            <a:r>
+              <a:rPr lang="tr-TR" dirty="0"/>
+              <a:t>PID Kontrolcü</a:t>
+            </a:r>
+            <a:br>
+              <a:rPr lang="tr-TR" dirty="0"/>
+            </a:br>
+            <a:r>
+              <a:rPr lang="tr-TR" sz="2400" dirty="0"/>
+              <a:t>Sistem Çıkış Sinyalinin Önemli Noktaları</a:t>
+            </a:r>
+            <a:endParaRPr lang="tr-TR" dirty="0"/>
+          </a:p>
+        </p:txBody>
+      </p:sp>
+      <p:pic>
+        <p:nvPicPr>
+          <p:cNvPr id="1026" name="Picture 2" descr="Step response characteristics. The figure shows peak response, peak time, rise time, settling time, and transient time of the response.">
+            <a:extLst>
+              <a:ext uri="{FF2B5EF4-FFF2-40B4-BE49-F238E27FC236}">
+                <a16:creationId xmlns:a16="http://schemas.microsoft.com/office/drawing/2014/main" id="{874A146C-C343-6F6C-D943-3CF0DF35F63A}"/>
+              </a:ext>
+            </a:extLst>
+          </p:cNvPr>
+          <p:cNvPicPr>
+            <a:picLocks noGrp="1" noChangeAspect="1" noChangeArrowheads="1"/>
+          </p:cNvPicPr>
+          <p:nvPr>
+            <p:ph idx="1"/>
+          </p:nvPr>
+        </p:nvPicPr>
+        <p:blipFill>
+          <a:blip r:embed="rId2">
+            <a:extLst>
+              <a:ext uri="{28A0092B-C50C-407E-A947-70E740481C1C}">
+                <a14:useLocalDpi xmlns:a14="http://schemas.microsoft.com/office/drawing/2010/main" val="0"/>
+              </a:ext>
+            </a:extLst>
+          </a:blip>
+          <a:srcRect/>
+          <a:stretch>
+            <a:fillRect/>
+          </a:stretch>
+        </p:blipFill>
+        <p:spPr bwMode="auto">
+          <a:xfrm>
+            <a:off x="2388394" y="2160588"/>
+            <a:ext cx="5175249" cy="3881437"/>
+          </a:xfrm>
+          <a:prstGeom prst="rect">
+            <a:avLst/>
+          </a:prstGeom>
+          <a:noFill/>
+          <a:extLst>
+            <a:ext uri="{909E8E84-426E-40DD-AFC4-6F175D3DCCD1}">
+              <a14:hiddenFill xmlns:a14="http://schemas.microsoft.com/office/drawing/2010/main">
+                <a:solidFill>
+                  <a:srgbClr val="FFFFFF"/>
+                </a:solidFill>
+              </a14:hiddenFill>
+            </a:ext>
+          </a:extLst>
+        </p:spPr>
+      </p:pic>
+      <p:sp>
+        <p:nvSpPr>
+          <p:cNvPr id="4" name="TextBox 3">
+            <a:extLst>
+              <a:ext uri="{FF2B5EF4-FFF2-40B4-BE49-F238E27FC236}">
+                <a16:creationId xmlns:a16="http://schemas.microsoft.com/office/drawing/2014/main" id="{BADFF715-BF2E-4E4C-FBAD-00659C17B217}"/>
+              </a:ext>
+            </a:extLst>
+          </p:cNvPr>
+          <p:cNvSpPr txBox="1"/>
+          <p:nvPr/>
+        </p:nvSpPr>
+        <p:spPr>
+          <a:xfrm>
+            <a:off x="7905750" y="6276975"/>
+            <a:ext cx="3964547" cy="246221"/>
+          </a:xfrm>
+          <a:prstGeom prst="rect">
+            <a:avLst/>
+          </a:prstGeom>
+          <a:noFill/>
+        </p:spPr>
+        <p:txBody>
+          <a:bodyPr wrap="none" rtlCol="0">
+            <a:spAutoFit/>
+          </a:bodyPr>
+          <a:lstStyle/>
+          <a:p>
+            <a:r>
+              <a:rPr lang="tr-TR" sz="1000" dirty="0"/>
+              <a:t>https://www.mathworks.com/help/control/ref/lti.stepinfo.html</a:t>
+            </a:r>
+          </a:p>
+        </p:txBody>
+      </p:sp>
+    </p:spTree>
+    <p:extLst>
+      <p:ext uri="{BB962C8B-B14F-4D97-AF65-F5344CB8AC3E}">
+        <p14:creationId xmlns:p14="http://schemas.microsoft.com/office/powerpoint/2010/main" val="1684762123"/>
+      </p:ext>
+    </p:extLst>
+  </p:cSld>
+  <p:clrMapOvr>
+    <a:masterClrMapping/>
+  </p:clrMapOvr>
+</p:sld>
+</file>
+
+<file path=ppt/slides/slide12.xml><?xml version="1.0" encoding="utf-8"?>
+<p:sld xmlns:a="http://schemas.openxmlformats.org/drawingml/2006/main" xmlns:r="http://schemas.openxmlformats.org/officeDocument/2006/relationships" xmlns:p="http://schemas.openxmlformats.org/presentationml/2006/main">
+  <p:cSld>
+    <p:spTree>
+      <p:nvGrpSpPr>
+        <p:cNvPr id="1" name=""/>
+        <p:cNvGrpSpPr/>
+        <p:nvPr/>
+      </p:nvGrpSpPr>
+      <p:grpSpPr>
+        <a:xfrm>
+          <a:off x="0" y="0"/>
+          <a:ext cx="0" cy="0"/>
+          <a:chOff x="0" y="0"/>
+          <a:chExt cx="0" cy="0"/>
+        </a:xfrm>
+      </p:grpSpPr>
+      <p:sp>
+        <p:nvSpPr>
+          <p:cNvPr id="2" name="Title 1">
+            <a:extLst>
+              <a:ext uri="{FF2B5EF4-FFF2-40B4-BE49-F238E27FC236}">
+                <a16:creationId xmlns:a16="http://schemas.microsoft.com/office/drawing/2014/main" id="{BF7BC34D-24D1-E52F-4821-B78FCA66C923}"/>
+              </a:ext>
+            </a:extLst>
+          </p:cNvPr>
+          <p:cNvSpPr>
+            <a:spLocks noGrp="1"/>
+          </p:cNvSpPr>
+          <p:nvPr>
+            <p:ph type="title"/>
+          </p:nvPr>
+        </p:nvSpPr>
+        <p:spPr/>
+        <p:txBody>
+          <a:bodyPr/>
+          <a:lstStyle/>
+          <a:p>
+            <a:r>
+              <a:rPr lang="tr-TR" dirty="0"/>
+              <a:t>PID Kontrolcü</a:t>
+            </a:r>
+            <a:br>
+              <a:rPr lang="tr-TR" dirty="0"/>
+            </a:br>
+            <a:r>
+              <a:rPr lang="tr-TR" sz="2400" dirty="0"/>
+              <a:t>Sistem Çıkış Sinyalinin Önemli Noktaları ve Karşılaştırmalar</a:t>
+            </a:r>
+          </a:p>
+        </p:txBody>
+      </p:sp>
+      <p:sp>
+        <p:nvSpPr>
+          <p:cNvPr id="4" name="TextBox 3">
+            <a:extLst>
+              <a:ext uri="{FF2B5EF4-FFF2-40B4-BE49-F238E27FC236}">
+                <a16:creationId xmlns:a16="http://schemas.microsoft.com/office/drawing/2014/main" id="{BADFF715-BF2E-4E4C-FBAD-00659C17B217}"/>
+              </a:ext>
+            </a:extLst>
+          </p:cNvPr>
+          <p:cNvSpPr txBox="1"/>
+          <p:nvPr/>
+        </p:nvSpPr>
+        <p:spPr>
+          <a:xfrm>
+            <a:off x="8867775" y="6276975"/>
+            <a:ext cx="2824812" cy="246221"/>
+          </a:xfrm>
+          <a:prstGeom prst="rect">
+            <a:avLst/>
+          </a:prstGeom>
+          <a:noFill/>
+        </p:spPr>
+        <p:txBody>
+          <a:bodyPr wrap="none" rtlCol="0">
+            <a:spAutoFit/>
+          </a:bodyPr>
+          <a:lstStyle/>
+          <a:p>
+            <a:r>
+              <a:rPr lang="tr-TR" sz="1000" dirty="0"/>
+              <a:t>https://en.wikipedia.org/wiki/PID_controller</a:t>
+            </a:r>
+          </a:p>
+        </p:txBody>
+      </p:sp>
+      <p:sp>
+        <p:nvSpPr>
+          <p:cNvPr id="3" name="Content Placeholder 2">
+            <a:extLst>
+              <a:ext uri="{FF2B5EF4-FFF2-40B4-BE49-F238E27FC236}">
+                <a16:creationId xmlns:a16="http://schemas.microsoft.com/office/drawing/2014/main" id="{EC480585-0E67-0E76-F317-09DBC0B5E174}"/>
+              </a:ext>
+            </a:extLst>
+          </p:cNvPr>
+          <p:cNvSpPr>
+            <a:spLocks noGrp="1"/>
+          </p:cNvSpPr>
+          <p:nvPr>
+            <p:ph idx="1"/>
+          </p:nvPr>
+        </p:nvSpPr>
+        <p:spPr/>
+        <p:txBody>
+          <a:bodyPr/>
+          <a:lstStyle/>
+          <a:p>
+            <a:r>
+              <a:rPr lang="tr-TR" dirty="0"/>
+              <a:t>1. Görselde </a:t>
+            </a:r>
+            <a:r>
+              <a:rPr lang="tr-TR" dirty="0" err="1"/>
+              <a:t>Kp</a:t>
+            </a:r>
+            <a:r>
+              <a:rPr lang="tr-TR" dirty="0"/>
+              <a:t> değişken, Ki, </a:t>
+            </a:r>
+            <a:r>
+              <a:rPr lang="tr-TR" dirty="0" err="1"/>
+              <a:t>Kd</a:t>
+            </a:r>
+            <a:r>
+              <a:rPr lang="tr-TR" dirty="0"/>
+              <a:t> sabit</a:t>
+            </a:r>
+          </a:p>
+          <a:p>
+            <a:r>
+              <a:rPr lang="tr-TR" dirty="0"/>
+              <a:t>2. Görselde Ki değişken, </a:t>
+            </a:r>
+            <a:r>
+              <a:rPr lang="tr-TR" dirty="0" err="1"/>
+              <a:t>Kp</a:t>
+            </a:r>
+            <a:r>
+              <a:rPr lang="tr-TR" dirty="0"/>
+              <a:t>, </a:t>
+            </a:r>
+            <a:r>
+              <a:rPr lang="tr-TR" dirty="0" err="1"/>
+              <a:t>Kd</a:t>
+            </a:r>
+            <a:r>
+              <a:rPr lang="tr-TR" dirty="0"/>
+              <a:t> sabit</a:t>
+            </a:r>
+          </a:p>
+          <a:p>
+            <a:r>
+              <a:rPr lang="tr-TR" dirty="0"/>
+              <a:t>3. Görselde </a:t>
+            </a:r>
+            <a:r>
+              <a:rPr lang="tr-TR" dirty="0" err="1"/>
+              <a:t>Kd</a:t>
+            </a:r>
+            <a:r>
+              <a:rPr lang="tr-TR" dirty="0"/>
+              <a:t> değişken, </a:t>
+            </a:r>
+            <a:r>
+              <a:rPr lang="tr-TR" dirty="0" err="1"/>
+              <a:t>Kp</a:t>
+            </a:r>
+            <a:r>
+              <a:rPr lang="tr-TR" dirty="0"/>
+              <a:t>, Ki sabit</a:t>
+            </a:r>
+          </a:p>
+        </p:txBody>
+      </p:sp>
+      <p:pic>
+        <p:nvPicPr>
+          <p:cNvPr id="2050" name="Picture 2">
+            <a:extLst>
+              <a:ext uri="{FF2B5EF4-FFF2-40B4-BE49-F238E27FC236}">
+                <a16:creationId xmlns:a16="http://schemas.microsoft.com/office/drawing/2014/main" id="{8579D1F3-EEBB-8D2F-B559-AF293671353E}"/>
+              </a:ext>
+            </a:extLst>
+          </p:cNvPr>
+          <p:cNvPicPr>
+            <a:picLocks noChangeAspect="1" noChangeArrowheads="1"/>
+          </p:cNvPicPr>
+          <p:nvPr/>
+        </p:nvPicPr>
+        <p:blipFill>
+          <a:blip r:embed="rId2">
+            <a:extLst>
+              <a:ext uri="{28A0092B-C50C-407E-A947-70E740481C1C}">
+                <a14:useLocalDpi xmlns:a14="http://schemas.microsoft.com/office/drawing/2010/main" val="0"/>
+              </a:ext>
+            </a:extLst>
+          </a:blip>
+          <a:srcRect/>
+          <a:stretch>
+            <a:fillRect/>
+          </a:stretch>
+        </p:blipFill>
+        <p:spPr bwMode="auto">
+          <a:xfrm>
+            <a:off x="677334" y="3691400"/>
+            <a:ext cx="3048000" cy="2362200"/>
+          </a:xfrm>
+          <a:prstGeom prst="rect">
+            <a:avLst/>
+          </a:prstGeom>
+          <a:noFill/>
+          <a:extLst>
+            <a:ext uri="{909E8E84-426E-40DD-AFC4-6F175D3DCCD1}">
+              <a14:hiddenFill xmlns:a14="http://schemas.microsoft.com/office/drawing/2010/main">
+                <a:solidFill>
+                  <a:srgbClr val="FFFFFF"/>
+                </a:solidFill>
+              </a14:hiddenFill>
+            </a:ext>
+          </a:extLst>
+        </p:spPr>
+      </p:pic>
+      <p:pic>
+        <p:nvPicPr>
+          <p:cNvPr id="2054" name="Picture 6">
+            <a:extLst>
+              <a:ext uri="{FF2B5EF4-FFF2-40B4-BE49-F238E27FC236}">
+                <a16:creationId xmlns:a16="http://schemas.microsoft.com/office/drawing/2014/main" id="{181080F3-1831-432B-846E-9F8DA8770751}"/>
+              </a:ext>
+            </a:extLst>
+          </p:cNvPr>
+          <p:cNvPicPr>
+            <a:picLocks noChangeAspect="1" noChangeArrowheads="1"/>
+          </p:cNvPicPr>
+          <p:nvPr/>
+        </p:nvPicPr>
+        <p:blipFill>
+          <a:blip r:embed="rId3">
+            <a:extLst>
+              <a:ext uri="{28A0092B-C50C-407E-A947-70E740481C1C}">
+                <a14:useLocalDpi xmlns:a14="http://schemas.microsoft.com/office/drawing/2010/main" val="0"/>
+              </a:ext>
+            </a:extLst>
+          </a:blip>
+          <a:srcRect/>
+          <a:stretch>
+            <a:fillRect/>
+          </a:stretch>
+        </p:blipFill>
+        <p:spPr bwMode="auto">
+          <a:xfrm>
+            <a:off x="8466668" y="3643775"/>
+            <a:ext cx="3048000" cy="2409825"/>
+          </a:xfrm>
+          <a:prstGeom prst="rect">
+            <a:avLst/>
+          </a:prstGeom>
+          <a:noFill/>
+          <a:extLst>
+            <a:ext uri="{909E8E84-426E-40DD-AFC4-6F175D3DCCD1}">
+              <a14:hiddenFill xmlns:a14="http://schemas.microsoft.com/office/drawing/2010/main">
+                <a:solidFill>
+                  <a:srgbClr val="FFFFFF"/>
+                </a:solidFill>
+              </a14:hiddenFill>
+            </a:ext>
+          </a:extLst>
+        </p:spPr>
+      </p:pic>
+      <p:pic>
+        <p:nvPicPr>
+          <p:cNvPr id="2056" name="Picture 8">
+            <a:extLst>
+              <a:ext uri="{FF2B5EF4-FFF2-40B4-BE49-F238E27FC236}">
+                <a16:creationId xmlns:a16="http://schemas.microsoft.com/office/drawing/2014/main" id="{210E3FC5-2780-6B58-0F9F-D5213CAD82A1}"/>
+              </a:ext>
+            </a:extLst>
+          </p:cNvPr>
+          <p:cNvPicPr>
+            <a:picLocks noChangeAspect="1" noChangeArrowheads="1"/>
+          </p:cNvPicPr>
+          <p:nvPr/>
+        </p:nvPicPr>
+        <p:blipFill>
+          <a:blip r:embed="rId4">
+            <a:extLst>
+              <a:ext uri="{28A0092B-C50C-407E-A947-70E740481C1C}">
+                <a14:useLocalDpi xmlns:a14="http://schemas.microsoft.com/office/drawing/2010/main" val="0"/>
+              </a:ext>
+            </a:extLst>
+          </a:blip>
+          <a:srcRect/>
+          <a:stretch>
+            <a:fillRect/>
+          </a:stretch>
+        </p:blipFill>
+        <p:spPr bwMode="auto">
+          <a:xfrm>
+            <a:off x="4572000" y="3643774"/>
+            <a:ext cx="3048000" cy="2409825"/>
+          </a:xfrm>
+          <a:prstGeom prst="rect">
+            <a:avLst/>
+          </a:prstGeom>
+          <a:noFill/>
+          <a:extLst>
+            <a:ext uri="{909E8E84-426E-40DD-AFC4-6F175D3DCCD1}">
+              <a14:hiddenFill xmlns:a14="http://schemas.microsoft.com/office/drawing/2010/main">
+                <a:solidFill>
+                  <a:srgbClr val="FFFFFF"/>
+                </a:solidFill>
+              </a14:hiddenFill>
+            </a:ext>
+          </a:extLst>
+        </p:spPr>
+      </p:pic>
+    </p:spTree>
+    <p:extLst>
+      <p:ext uri="{BB962C8B-B14F-4D97-AF65-F5344CB8AC3E}">
+        <p14:creationId xmlns:p14="http://schemas.microsoft.com/office/powerpoint/2010/main" val="2917493924"/>
+      </p:ext>
+    </p:extLst>
+  </p:cSld>
+  <p:clrMapOvr>
+    <a:masterClrMapping/>
+  </p:clrMapOvr>
+</p:sld>
+</file>
+
+<file path=ppt/slides/slide13.xml><?xml version="1.0" encoding="utf-8"?>
+<p:sld xmlns:a="http://schemas.openxmlformats.org/drawingml/2006/main" xmlns:r="http://schemas.openxmlformats.org/officeDocument/2006/relationships" xmlns:p="http://schemas.openxmlformats.org/presentationml/2006/main">
+  <p:cSld>
+    <p:spTree>
+      <p:nvGrpSpPr>
+        <p:cNvPr id="1" name=""/>
+        <p:cNvGrpSpPr/>
+        <p:nvPr/>
+      </p:nvGrpSpPr>
+      <p:grpSpPr>
+        <a:xfrm>
+          <a:off x="0" y="0"/>
+          <a:ext cx="0" cy="0"/>
+          <a:chOff x="0" y="0"/>
+          <a:chExt cx="0" cy="0"/>
+        </a:xfrm>
+      </p:grpSpPr>
+      <p:sp>
+        <p:nvSpPr>
+          <p:cNvPr id="2" name="Title 1">
+            <a:extLst>
+              <a:ext uri="{FF2B5EF4-FFF2-40B4-BE49-F238E27FC236}">
                 <a16:creationId xmlns:a16="http://schemas.microsoft.com/office/drawing/2014/main" id="{13ED3AA6-7204-0345-136D-49A934289E91}"/>
               </a:ext>
             </a:extLst>
@@ -7436,7 +7917,7 @@
 </p:sld>
 </file>
 
-<file path=ppt/slides/slide12.xml><?xml version="1.0" encoding="utf-8"?>
+<file path=ppt/slides/slide14.xml><?xml version="1.0" encoding="utf-8"?>
 <p:sld xmlns:a="http://schemas.openxmlformats.org/drawingml/2006/main" xmlns:r="http://schemas.openxmlformats.org/officeDocument/2006/relationships" xmlns:p="http://schemas.openxmlformats.org/presentationml/2006/main">
   <p:cSld>
     <p:spTree>
@@ -7531,7 +8012,7 @@
 </p:sld>
 </file>
 
-<file path=ppt/slides/slide13.xml><?xml version="1.0" encoding="utf-8"?>
+<file path=ppt/slides/slide15.xml><?xml version="1.0" encoding="utf-8"?>
 <p:sld xmlns:a="http://schemas.openxmlformats.org/drawingml/2006/main" xmlns:r="http://schemas.openxmlformats.org/officeDocument/2006/relationships" xmlns:p="http://schemas.openxmlformats.org/presentationml/2006/main">
   <p:cSld>
     <p:spTree>
@@ -7863,7 +8344,7 @@
             <a:pPr algn="ctr"/>
             <a:r>
               <a:rPr lang="tr-TR" dirty="0"/>
-              <a:t>OOP benzeri olmalı</a:t>
+              <a:t>OOP benzeri yapıda olmalı</a:t>
             </a:r>
           </a:p>
         </p:txBody>
@@ -9540,13 +10021,13 @@
           <a:p>
             <a:r>
               <a:rPr lang="tr-TR" dirty="0"/>
-              <a:t>Döner kanatlı hava araçları için açı kontrolü</a:t>
+              <a:t>Sıcaklık kontrolü</a:t>
             </a:r>
           </a:p>
           <a:p>
             <a:r>
               <a:rPr lang="tr-TR" dirty="0"/>
-              <a:t>Hassas sıcaklık kontrolü</a:t>
+              <a:t>Hız kontrolü (CC)</a:t>
             </a:r>
           </a:p>
           <a:p>
@@ -9558,7 +10039,7 @@
           <a:p>
             <a:r>
               <a:rPr lang="tr-TR" dirty="0"/>
-              <a:t>Hız kontrolü</a:t>
+              <a:t>Döner kanatlı hava araçları için açı/denge kontrolü</a:t>
             </a:r>
           </a:p>
           <a:p>
@@ -9913,7 +10394,7 @@
           <a:p>
             <a:r>
               <a:rPr lang="tr-TR" dirty="0"/>
-              <a:t>Controller bir elektronik kart, sistem olabilir</a:t>
+              <a:t>Controller bir elektronik kart veya sistem olabilir</a:t>
             </a:r>
           </a:p>
           <a:p>
@@ -10562,7 +11043,7 @@
           <a:p>
             <a:r>
               <a:rPr lang="tr-TR" dirty="0"/>
-              <a:t>Kontrolcü bulanık, aç/kapa veya PID kontrolcü vs. olabilir</a:t>
+              <a:t>Kontrolcü bulanık, aç/kapa, PID kontrolcü vs. olabilir</a:t>
             </a:r>
           </a:p>
           <a:p>
